--- a/Architecture_Options_for_Fusion_Data_Extraction.pptx
+++ b/Architecture_Options_for_Fusion_Data_Extraction.pptx
@@ -5,19 +5,20 @@
     <p:sldMasterId id="2147484177" r:id="rId1"/>
   </p:sldMasterIdLst>
   <p:notesMasterIdLst>
-    <p:notesMasterId r:id="rId4"/>
+    <p:notesMasterId r:id="rId5"/>
   </p:notesMasterIdLst>
   <p:handoutMasterIdLst>
-    <p:handoutMasterId r:id="rId5"/>
+    <p:handoutMasterId r:id="rId6"/>
   </p:handoutMasterIdLst>
   <p:sldIdLst>
     <p:sldId id="1372" r:id="rId2"/>
-    <p:sldId id="1370" r:id="rId3"/>
+    <p:sldId id="1373" r:id="rId3"/>
+    <p:sldId id="1370" r:id="rId4"/>
   </p:sldIdLst>
   <p:sldSz cx="12188825" cy="6858000"/>
   <p:notesSz cx="7315200" cy="12344400"/>
   <p:custDataLst>
-    <p:tags r:id="rId6"/>
+    <p:tags r:id="rId7"/>
   </p:custDataLst>
   <p:defaultTextStyle>
     <a:defPPr>
@@ -4437,14 +4438,967 @@
           <p:nvPr>
             <p:extLst>
               <p:ext uri="{D42A27DB-BD31-4B8C-83A1-F6EECF244321}">
-                <p14:modId xmlns:p14="http://schemas.microsoft.com/office/powerpoint/2010/main" val="3812183396"/>
+                <p14:modId xmlns:p14="http://schemas.microsoft.com/office/powerpoint/2010/main" val="334680257"/>
+              </p:ext>
+            </p:extLst>
+          </p:nvPr>
+        </p:nvGraphicFramePr>
+        <p:xfrm>
+          <a:off x="455612" y="802773"/>
+          <a:ext cx="11125200" cy="4923785"/>
+        </p:xfrm>
+        <a:graphic>
+          <a:graphicData uri="http://schemas.openxmlformats.org/drawingml/2006/table">
+            <a:tbl>
+              <a:tblPr firstRow="1" bandRow="1">
+                <a:tableStyleId>{3B4B98B0-60AC-42C2-AFA5-B58CD77FA1E5}</a:tableStyleId>
+              </a:tblPr>
+              <a:tblGrid>
+                <a:gridCol w="1440674">
+                  <a:extLst>
+                    <a:ext uri="{9D8B030D-6E8A-4147-A177-3AD203B41FA5}">
+                      <a16:colId xmlns:a16="http://schemas.microsoft.com/office/drawing/2014/main" val="3875781843"/>
+                    </a:ext>
+                  </a:extLst>
+                </a:gridCol>
+                <a:gridCol w="1760823">
+                  <a:extLst>
+                    <a:ext uri="{9D8B030D-6E8A-4147-A177-3AD203B41FA5}">
+                      <a16:colId xmlns:a16="http://schemas.microsoft.com/office/drawing/2014/main" val="2289228150"/>
+                    </a:ext>
+                  </a:extLst>
+                </a:gridCol>
+                <a:gridCol w="2291850">
+                  <a:extLst>
+                    <a:ext uri="{9D8B030D-6E8A-4147-A177-3AD203B41FA5}">
+                      <a16:colId xmlns:a16="http://schemas.microsoft.com/office/drawing/2014/main" val="2871474800"/>
+                    </a:ext>
+                  </a:extLst>
+                </a:gridCol>
+                <a:gridCol w="2670469">
+                  <a:extLst>
+                    <a:ext uri="{9D8B030D-6E8A-4147-A177-3AD203B41FA5}">
+                      <a16:colId xmlns:a16="http://schemas.microsoft.com/office/drawing/2014/main" val="2587300318"/>
+                    </a:ext>
+                  </a:extLst>
+                </a:gridCol>
+                <a:gridCol w="2961384">
+                  <a:extLst>
+                    <a:ext uri="{9D8B030D-6E8A-4147-A177-3AD203B41FA5}">
+                      <a16:colId xmlns:a16="http://schemas.microsoft.com/office/drawing/2014/main" val="3500397773"/>
+                    </a:ext>
+                  </a:extLst>
+                </a:gridCol>
+              </a:tblGrid>
+              <a:tr h="255246">
+                <a:tc>
+                  <a:txBody>
+                    <a:bodyPr/>
+                    <a:lstStyle/>
+                    <a:p>
+                      <a:endParaRPr lang="en-US" dirty="0"/>
+                    </a:p>
+                  </a:txBody>
+                  <a:tcPr/>
+                </a:tc>
+                <a:tc>
+                  <a:txBody>
+                    <a:bodyPr/>
+                    <a:lstStyle/>
+                    <a:p>
+                      <a:r>
+                        <a:rPr lang="en-US" dirty="0"/>
+                        <a:t>Components</a:t>
+                      </a:r>
+                    </a:p>
+                  </a:txBody>
+                  <a:tcPr/>
+                </a:tc>
+                <a:tc>
+                  <a:txBody>
+                    <a:bodyPr/>
+                    <a:lstStyle/>
+                    <a:p>
+                      <a:r>
+                        <a:rPr lang="en-US" dirty="0"/>
+                        <a:t>Steps/Options</a:t>
+                      </a:r>
+                    </a:p>
+                  </a:txBody>
+                  <a:tcPr/>
+                </a:tc>
+                <a:tc>
+                  <a:txBody>
+                    <a:bodyPr/>
+                    <a:lstStyle/>
+                    <a:p>
+                      <a:r>
+                        <a:rPr lang="en-US" dirty="0"/>
+                        <a:t>Benefits</a:t>
+                      </a:r>
+                    </a:p>
+                  </a:txBody>
+                  <a:tcPr/>
+                </a:tc>
+                <a:tc>
+                  <a:txBody>
+                    <a:bodyPr/>
+                    <a:lstStyle/>
+                    <a:p>
+                      <a:r>
+                        <a:rPr lang="en-US" dirty="0"/>
+                        <a:t>Challenges</a:t>
+                      </a:r>
+                    </a:p>
+                  </a:txBody>
+                  <a:tcPr/>
+                </a:tc>
+                <a:extLst>
+                  <a:ext uri="{0D108BD9-81ED-4DB2-BD59-A6C34878D82A}">
+                    <a16:rowId xmlns:a16="http://schemas.microsoft.com/office/drawing/2014/main" val="3022433759"/>
+                  </a:ext>
+                </a:extLst>
+              </a:tr>
+              <a:tr h="1723512">
+                <a:tc>
+                  <a:txBody>
+                    <a:bodyPr/>
+                    <a:lstStyle/>
+                    <a:p>
+                      <a:r>
+                        <a:rPr lang="en-US" sz="1400" b="1" dirty="0"/>
+                        <a:t>BICC</a:t>
+                      </a:r>
+                    </a:p>
+                    <a:p>
+                      <a:r>
+                        <a:rPr lang="en-US" sz="1400" b="1" dirty="0"/>
+                        <a:t>(recommended)</a:t>
+                      </a:r>
+                    </a:p>
+                  </a:txBody>
+                  <a:tcPr>
+                    <a:noFill/>
+                  </a:tcPr>
+                </a:tc>
+                <a:tc>
+                  <a:txBody>
+                    <a:bodyPr/>
+                    <a:lstStyle/>
+                    <a:p>
+                      <a:pPr marL="171450" indent="-171450">
+                        <a:buFont typeface="Arial" panose="020B0604020202020204" pitchFamily="34" charset="0"/>
+                        <a:buChar char="•"/>
+                      </a:pPr>
+                      <a:r>
+                        <a:rPr lang="en-US" sz="1200" dirty="0"/>
+                        <a:t>BI View Objects.</a:t>
+                      </a:r>
+                    </a:p>
+                    <a:p>
+                      <a:pPr marL="171450" indent="-171450">
+                        <a:buFont typeface="Arial" panose="020B0604020202020204" pitchFamily="34" charset="0"/>
+                        <a:buChar char="•"/>
+                      </a:pPr>
+                      <a:r>
+                        <a:rPr lang="en-US" sz="1200" dirty="0"/>
+                        <a:t>BICC Scheduled Job</a:t>
+                      </a:r>
+                    </a:p>
+                    <a:p>
+                      <a:pPr marL="171450" indent="-171450">
+                        <a:buFont typeface="Arial" panose="020B0604020202020204" pitchFamily="34" charset="0"/>
+                        <a:buChar char="•"/>
+                      </a:pPr>
+                      <a:r>
+                        <a:rPr lang="en-US" sz="1200" dirty="0"/>
+                        <a:t>Storage (UCM, Object Storage, Classic Storage).</a:t>
+                      </a:r>
+                    </a:p>
+                    <a:p>
+                      <a:pPr marL="171450" indent="-171450">
+                        <a:buFont typeface="Arial" panose="020B0604020202020204" pitchFamily="34" charset="0"/>
+                        <a:buChar char="•"/>
+                      </a:pPr>
+                      <a:r>
+                        <a:rPr lang="en-US" sz="1200" dirty="0"/>
+                        <a:t>Optional data integration tooling.</a:t>
+                      </a:r>
+                    </a:p>
+                  </a:txBody>
+                  <a:tcPr>
+                    <a:noFill/>
+                  </a:tcPr>
+                </a:tc>
+                <a:tc>
+                  <a:txBody>
+                    <a:bodyPr/>
+                    <a:lstStyle/>
+                    <a:p>
+                      <a:pPr marL="171450" indent="-171450">
+                        <a:buFont typeface="Arial" panose="020B0604020202020204" pitchFamily="34" charset="0"/>
+                        <a:buChar char="•"/>
+                      </a:pPr>
+                      <a:r>
+                        <a:rPr lang="en-US" sz="1200" dirty="0"/>
+                        <a:t>Schedule and run BICC extract jobs to Storage.</a:t>
+                      </a:r>
+                    </a:p>
+                    <a:p>
+                      <a:pPr marL="171450" indent="-171450">
+                        <a:buFont typeface="Arial" panose="020B0604020202020204" pitchFamily="34" charset="0"/>
+                        <a:buChar char="•"/>
+                      </a:pPr>
+                      <a:r>
+                        <a:rPr lang="en-US" sz="1200" dirty="0"/>
+                        <a:t>Load extract to target database.</a:t>
+                      </a:r>
+                    </a:p>
+                  </a:txBody>
+                  <a:tcPr>
+                    <a:noFill/>
+                  </a:tcPr>
+                </a:tc>
+                <a:tc>
+                  <a:txBody>
+                    <a:bodyPr/>
+                    <a:lstStyle/>
+                    <a:p>
+                      <a:pPr marL="171450" indent="-171450">
+                        <a:buFont typeface="Arial" panose="020B0604020202020204" pitchFamily="34" charset="0"/>
+                        <a:buChar char="•"/>
+                      </a:pPr>
+                      <a:r>
+                        <a:rPr lang="en-US" sz="1200" baseline="0" dirty="0"/>
+                        <a:t>Pre-Built / Easy to configure</a:t>
+                      </a:r>
+                    </a:p>
+                    <a:p>
+                      <a:pPr marL="171450" indent="-171450">
+                        <a:buFont typeface="Arial" panose="020B0604020202020204" pitchFamily="34" charset="0"/>
+                        <a:buChar char="•"/>
+                      </a:pPr>
+                      <a:r>
+                        <a:rPr lang="en-US" sz="1200" baseline="0" dirty="0"/>
+                        <a:t>High volumes</a:t>
+                      </a:r>
+                    </a:p>
+                    <a:p>
+                      <a:pPr marL="171450" indent="-171450">
+                        <a:buFont typeface="Arial" panose="020B0604020202020204" pitchFamily="34" charset="0"/>
+                        <a:buChar char="•"/>
+                      </a:pPr>
+                      <a:r>
+                        <a:rPr lang="en-US" sz="1200" baseline="0" dirty="0"/>
+                        <a:t>Scheduling available</a:t>
+                      </a:r>
+                    </a:p>
+                    <a:p>
+                      <a:pPr marL="171450" indent="-171450">
+                        <a:buFont typeface="Arial" panose="020B0604020202020204" pitchFamily="34" charset="0"/>
+                        <a:buChar char="•"/>
+                      </a:pPr>
+                      <a:r>
+                        <a:rPr lang="en-US" sz="1200" baseline="0" dirty="0"/>
+                        <a:t>Manages incremental updates</a:t>
+                      </a:r>
+                    </a:p>
+                    <a:p>
+                      <a:pPr marL="171450" indent="-171450">
+                        <a:buFont typeface="Arial" panose="020B0604020202020204" pitchFamily="34" charset="0"/>
+                        <a:buChar char="•"/>
+                      </a:pPr>
+                      <a:endParaRPr lang="en-US" sz="1200" baseline="0" dirty="0"/>
+                    </a:p>
+                    <a:p>
+                      <a:pPr marL="171450" indent="-171450">
+                        <a:buFont typeface="Arial" panose="020B0604020202020204" pitchFamily="34" charset="0"/>
+                        <a:buChar char="•"/>
+                      </a:pPr>
+                      <a:endParaRPr lang="en-US" sz="1200" baseline="0" dirty="0"/>
+                    </a:p>
+                    <a:p>
+                      <a:pPr marL="171450" indent="-171450">
+                        <a:buFont typeface="Arial" panose="020B0604020202020204" pitchFamily="34" charset="0"/>
+                        <a:buChar char="•"/>
+                      </a:pPr>
+                      <a:endParaRPr lang="en-US" sz="1200" baseline="0" dirty="0"/>
+                    </a:p>
+                  </a:txBody>
+                  <a:tcPr>
+                    <a:noFill/>
+                  </a:tcPr>
+                </a:tc>
+                <a:tc>
+                  <a:txBody>
+                    <a:bodyPr/>
+                    <a:lstStyle/>
+                    <a:p>
+                      <a:pPr marL="171450" indent="-171450">
+                        <a:buFont typeface="Arial" panose="020B0604020202020204" pitchFamily="34" charset="0"/>
+                        <a:buChar char="•"/>
+                      </a:pPr>
+                      <a:r>
+                        <a:rPr lang="en-US" sz="1200" dirty="0"/>
+                        <a:t>(Small)</a:t>
+                      </a:r>
+                      <a:r>
+                        <a:rPr lang="en-US" sz="1200" baseline="0" dirty="0"/>
+                        <a:t> Gaps in Content</a:t>
+                      </a:r>
+                    </a:p>
+                    <a:p>
+                      <a:pPr marL="171450" indent="-171450">
+                        <a:buFont typeface="Arial" panose="020B0604020202020204" pitchFamily="34" charset="0"/>
+                        <a:buChar char="•"/>
+                      </a:pPr>
+                      <a:r>
+                        <a:rPr lang="en-US" sz="1200" baseline="0" dirty="0"/>
+                        <a:t>Some transformation nuances</a:t>
+                      </a:r>
+                    </a:p>
+                    <a:p>
+                      <a:pPr marL="171450" indent="-171450">
+                        <a:buFont typeface="Arial" panose="020B0604020202020204" pitchFamily="34" charset="0"/>
+                        <a:buChar char="•"/>
+                      </a:pPr>
+                      <a:endParaRPr lang="en-US" sz="1200" baseline="0" dirty="0"/>
+                    </a:p>
+                  </a:txBody>
+                  <a:tcPr>
+                    <a:noFill/>
+                  </a:tcPr>
+                </a:tc>
+                <a:extLst>
+                  <a:ext uri="{0D108BD9-81ED-4DB2-BD59-A6C34878D82A}">
+                    <a16:rowId xmlns:a16="http://schemas.microsoft.com/office/drawing/2014/main" val="4085595"/>
+                  </a:ext>
+                </a:extLst>
+              </a:tr>
+              <a:tr h="631098">
+                <a:tc>
+                  <a:txBody>
+                    <a:bodyPr/>
+                    <a:lstStyle/>
+                    <a:p>
+                      <a:endParaRPr lang="en-US" sz="1400" b="1" dirty="0"/>
+                    </a:p>
+                  </a:txBody>
+                  <a:tcPr>
+                    <a:noFill/>
+                  </a:tcPr>
+                </a:tc>
+                <a:tc>
+                  <a:txBody>
+                    <a:bodyPr/>
+                    <a:lstStyle/>
+                    <a:p>
+                      <a:pPr marL="0" indent="0">
+                        <a:buFont typeface="Arial" panose="020B0604020202020204" pitchFamily="34" charset="0"/>
+                        <a:buNone/>
+                      </a:pPr>
+                      <a:r>
+                        <a:rPr lang="en-US" sz="1400" b="1" dirty="0"/>
+                        <a:t>Tooling Options</a:t>
+                      </a:r>
+                    </a:p>
+                  </a:txBody>
+                  <a:tcPr>
+                    <a:noFill/>
+                  </a:tcPr>
+                </a:tc>
+                <a:tc>
+                  <a:txBody>
+                    <a:bodyPr/>
+                    <a:lstStyle/>
+                    <a:p>
+                      <a:pPr marL="0" marR="0" lvl="0" indent="0" algn="l" defTabSz="914126" rtl="0" eaLnBrk="1" fontAlgn="auto" latinLnBrk="0" hangingPunct="1">
+                        <a:lnSpc>
+                          <a:spcPct val="100000"/>
+                        </a:lnSpc>
+                        <a:spcBef>
+                          <a:spcPts val="0"/>
+                        </a:spcBef>
+                        <a:spcAft>
+                          <a:spcPts val="0"/>
+                        </a:spcAft>
+                        <a:buClrTx/>
+                        <a:buSzTx/>
+                        <a:buFont typeface="Arial" panose="020B0604020202020204" pitchFamily="34" charset="0"/>
+                        <a:buNone/>
+                        <a:tabLst/>
+                        <a:defRPr/>
+                      </a:pPr>
+                      <a:r>
+                        <a:rPr lang="en-US" sz="1200" b="1" dirty="0"/>
+                        <a:t>Scripts</a:t>
+                      </a:r>
+                      <a:r>
+                        <a:rPr lang="en-US" sz="1200" dirty="0"/>
+                        <a:t>:  Required to load data from storage to the target database.</a:t>
+                      </a:r>
+                    </a:p>
+                    <a:p>
+                      <a:pPr marL="0" indent="0">
+                        <a:buFont typeface="Arial" panose="020B0604020202020204" pitchFamily="34" charset="0"/>
+                        <a:buNone/>
+                      </a:pPr>
+                      <a:endParaRPr lang="en-US" sz="1200" dirty="0"/>
+                    </a:p>
+                  </a:txBody>
+                  <a:tcPr>
+                    <a:noFill/>
+                  </a:tcPr>
+                </a:tc>
+                <a:tc>
+                  <a:txBody>
+                    <a:bodyPr/>
+                    <a:lstStyle/>
+                    <a:p>
+                      <a:pPr marL="171450" indent="-171450">
+                        <a:buFont typeface="Arial" panose="020B0604020202020204" pitchFamily="34" charset="0"/>
+                        <a:buChar char="•"/>
+                      </a:pPr>
+                      <a:r>
+                        <a:rPr lang="en-US" sz="1200" baseline="0" dirty="0"/>
+                        <a:t>No additional technology, no future licensing considerations.</a:t>
+                      </a:r>
+                    </a:p>
+                    <a:p>
+                      <a:pPr marL="171450" indent="-171450">
+                        <a:buFont typeface="Arial" panose="020B0604020202020204" pitchFamily="34" charset="0"/>
+                        <a:buChar char="•"/>
+                      </a:pPr>
+                      <a:r>
+                        <a:rPr lang="en-US" sz="1200" baseline="0" dirty="0"/>
+                        <a:t>Must separately manage BICC jobs</a:t>
+                      </a:r>
+                    </a:p>
+                  </a:txBody>
+                  <a:tcPr>
+                    <a:noFill/>
+                  </a:tcPr>
+                </a:tc>
+                <a:tc>
+                  <a:txBody>
+                    <a:bodyPr/>
+                    <a:lstStyle/>
+                    <a:p>
+                      <a:pPr marL="171450" marR="0" lvl="0" indent="-171450" algn="l" defTabSz="914126" rtl="0" eaLnBrk="1" fontAlgn="auto" latinLnBrk="0" hangingPunct="1">
+                        <a:lnSpc>
+                          <a:spcPct val="100000"/>
+                        </a:lnSpc>
+                        <a:spcBef>
+                          <a:spcPts val="0"/>
+                        </a:spcBef>
+                        <a:spcAft>
+                          <a:spcPts val="0"/>
+                        </a:spcAft>
+                        <a:buClrTx/>
+                        <a:buSzTx/>
+                        <a:buFont typeface="Arial" panose="020B0604020202020204" pitchFamily="34" charset="0"/>
+                        <a:buChar char="•"/>
+                        <a:tabLst/>
+                        <a:defRPr/>
+                      </a:pPr>
+                      <a:r>
+                        <a:rPr lang="en-US" sz="1200" baseline="0" dirty="0"/>
+                        <a:t>Hand crafted code generally not recommended due to manageability issues.</a:t>
+                      </a:r>
+                    </a:p>
+                    <a:p>
+                      <a:pPr marL="171450" indent="-171450">
+                        <a:buFont typeface="Arial" panose="020B0604020202020204" pitchFamily="34" charset="0"/>
+                        <a:buChar char="•"/>
+                      </a:pPr>
+                      <a:endParaRPr lang="en-US" sz="1200" dirty="0"/>
+                    </a:p>
+                  </a:txBody>
+                  <a:tcPr>
+                    <a:noFill/>
+                  </a:tcPr>
+                </a:tc>
+                <a:extLst>
+                  <a:ext uri="{0D108BD9-81ED-4DB2-BD59-A6C34878D82A}">
+                    <a16:rowId xmlns:a16="http://schemas.microsoft.com/office/drawing/2014/main" val="2127379258"/>
+                  </a:ext>
+                </a:extLst>
+              </a:tr>
+              <a:tr h="702171">
+                <a:tc>
+                  <a:txBody>
+                    <a:bodyPr/>
+                    <a:lstStyle/>
+                    <a:p>
+                      <a:endParaRPr lang="en-US" sz="1400" b="1" dirty="0"/>
+                    </a:p>
+                  </a:txBody>
+                  <a:tcPr>
+                    <a:noFill/>
+                  </a:tcPr>
+                </a:tc>
+                <a:tc>
+                  <a:txBody>
+                    <a:bodyPr/>
+                    <a:lstStyle/>
+                    <a:p>
+                      <a:pPr marL="171450" indent="-171450">
+                        <a:buFont typeface="Arial" panose="020B0604020202020204" pitchFamily="34" charset="0"/>
+                        <a:buChar char="•"/>
+                      </a:pPr>
+                      <a:endParaRPr lang="en-US" sz="1200" dirty="0"/>
+                    </a:p>
+                  </a:txBody>
+                  <a:tcPr>
+                    <a:noFill/>
+                  </a:tcPr>
+                </a:tc>
+                <a:tc>
+                  <a:txBody>
+                    <a:bodyPr/>
+                    <a:lstStyle/>
+                    <a:p>
+                      <a:pPr marL="0" marR="0" lvl="0" indent="0" algn="l" defTabSz="914126" rtl="0" eaLnBrk="1" fontAlgn="auto" latinLnBrk="0" hangingPunct="1">
+                        <a:lnSpc>
+                          <a:spcPct val="100000"/>
+                        </a:lnSpc>
+                        <a:spcBef>
+                          <a:spcPts val="0"/>
+                        </a:spcBef>
+                        <a:spcAft>
+                          <a:spcPts val="0"/>
+                        </a:spcAft>
+                        <a:buClrTx/>
+                        <a:buSzTx/>
+                        <a:buFont typeface="Arial" panose="020B0604020202020204" pitchFamily="34" charset="0"/>
+                        <a:buNone/>
+                        <a:tabLst/>
+                        <a:defRPr/>
+                      </a:pPr>
+                      <a:r>
+                        <a:rPr lang="en-US" sz="1200" b="1" dirty="0"/>
+                        <a:t>ODI:  </a:t>
+                      </a:r>
+                      <a:r>
+                        <a:rPr lang="en-US" sz="1200" dirty="0"/>
+                        <a:t>Manages entire end to end orchestration of BICC extraction and loading into the target data store.</a:t>
+                      </a:r>
+                    </a:p>
+                    <a:p>
+                      <a:pPr marL="0" indent="0">
+                        <a:buFont typeface="Arial" panose="020B0604020202020204" pitchFamily="34" charset="0"/>
+                        <a:buNone/>
+                      </a:pPr>
+                      <a:endParaRPr lang="en-US" sz="1200" dirty="0"/>
+                    </a:p>
+                  </a:txBody>
+                  <a:tcPr>
+                    <a:noFill/>
+                  </a:tcPr>
+                </a:tc>
+                <a:tc>
+                  <a:txBody>
+                    <a:bodyPr/>
+                    <a:lstStyle/>
+                    <a:p>
+                      <a:pPr marL="171450" indent="-171450">
+                        <a:buFont typeface="Arial" panose="020B0604020202020204" pitchFamily="34" charset="0"/>
+                        <a:buChar char="•"/>
+                      </a:pPr>
+                      <a:r>
+                        <a:rPr lang="en-US" sz="1200" baseline="0" dirty="0"/>
+                        <a:t>End to end solution.</a:t>
+                      </a:r>
+                    </a:p>
+                    <a:p>
+                      <a:pPr marL="171450" indent="-171450">
+                        <a:buFont typeface="Arial" panose="020B0604020202020204" pitchFamily="34" charset="0"/>
+                        <a:buChar char="•"/>
+                      </a:pPr>
+                      <a:r>
+                        <a:rPr lang="en-US" sz="1200" baseline="0" dirty="0"/>
+                        <a:t>Handles complex transformations.</a:t>
+                      </a:r>
+                    </a:p>
+                    <a:p>
+                      <a:pPr marL="171450" indent="-171450">
+                        <a:buFont typeface="Arial" panose="020B0604020202020204" pitchFamily="34" charset="0"/>
+                        <a:buChar char="•"/>
+                      </a:pPr>
+                      <a:r>
+                        <a:rPr lang="en-US" sz="1200" baseline="0" dirty="0"/>
+                        <a:t>Recommended.</a:t>
+                      </a:r>
+                    </a:p>
+                    <a:p>
+                      <a:pPr marL="171450" indent="-171450">
+                        <a:buFont typeface="Arial" panose="020B0604020202020204" pitchFamily="34" charset="0"/>
+                        <a:buChar char="•"/>
+                      </a:pPr>
+                      <a:endParaRPr lang="en-US" sz="1200" baseline="0" dirty="0"/>
+                    </a:p>
+                  </a:txBody>
+                  <a:tcPr>
+                    <a:noFill/>
+                  </a:tcPr>
+                </a:tc>
+                <a:tc>
+                  <a:txBody>
+                    <a:bodyPr/>
+                    <a:lstStyle/>
+                    <a:p>
+                      <a:pPr marL="171450" indent="-171450">
+                        <a:buFont typeface="Arial" panose="020B0604020202020204" pitchFamily="34" charset="0"/>
+                        <a:buChar char="•"/>
+                      </a:pPr>
+                      <a:r>
+                        <a:rPr lang="en-US" sz="1200" dirty="0"/>
+                        <a:t>May have down stream licensing implications.</a:t>
+                      </a:r>
+                    </a:p>
+                    <a:p>
+                      <a:pPr marL="171450" indent="-171450">
+                        <a:buFont typeface="Arial" panose="020B0604020202020204" pitchFamily="34" charset="0"/>
+                        <a:buChar char="•"/>
+                      </a:pPr>
+                      <a:r>
+                        <a:rPr lang="en-US" sz="1200" dirty="0"/>
+                        <a:t>Requires use of additional compute resource and tooling.</a:t>
+                      </a:r>
+                    </a:p>
+                    <a:p>
+                      <a:pPr marL="171450" indent="-171450">
+                        <a:buFont typeface="Arial" panose="020B0604020202020204" pitchFamily="34" charset="0"/>
+                        <a:buChar char="•"/>
+                      </a:pPr>
+                      <a:endParaRPr lang="en-US" sz="1200" dirty="0"/>
+                    </a:p>
+                  </a:txBody>
+                  <a:tcPr>
+                    <a:noFill/>
+                  </a:tcPr>
+                </a:tc>
+                <a:extLst>
+                  <a:ext uri="{0D108BD9-81ED-4DB2-BD59-A6C34878D82A}">
+                    <a16:rowId xmlns:a16="http://schemas.microsoft.com/office/drawing/2014/main" val="2076384447"/>
+                  </a:ext>
+                </a:extLst>
+              </a:tr>
+              <a:tr h="702171">
+                <a:tc>
+                  <a:txBody>
+                    <a:bodyPr/>
+                    <a:lstStyle/>
+                    <a:p>
+                      <a:endParaRPr lang="en-US" sz="1400" b="1" dirty="0"/>
+                    </a:p>
+                  </a:txBody>
+                  <a:tcPr>
+                    <a:noFill/>
+                  </a:tcPr>
+                </a:tc>
+                <a:tc>
+                  <a:txBody>
+                    <a:bodyPr/>
+                    <a:lstStyle/>
+                    <a:p>
+                      <a:pPr marL="171450" indent="-171450">
+                        <a:buFont typeface="Arial" panose="020B0604020202020204" pitchFamily="34" charset="0"/>
+                        <a:buChar char="•"/>
+                      </a:pPr>
+                      <a:endParaRPr lang="en-US" sz="1200" dirty="0"/>
+                    </a:p>
+                  </a:txBody>
+                  <a:tcPr>
+                    <a:noFill/>
+                  </a:tcPr>
+                </a:tc>
+                <a:tc>
+                  <a:txBody>
+                    <a:bodyPr/>
+                    <a:lstStyle/>
+                    <a:p>
+                      <a:pPr marL="0" marR="0" lvl="0" indent="0" algn="l" defTabSz="914126" rtl="0" eaLnBrk="1" fontAlgn="auto" latinLnBrk="0" hangingPunct="1">
+                        <a:lnSpc>
+                          <a:spcPct val="100000"/>
+                        </a:lnSpc>
+                        <a:spcBef>
+                          <a:spcPts val="0"/>
+                        </a:spcBef>
+                        <a:spcAft>
+                          <a:spcPts val="0"/>
+                        </a:spcAft>
+                        <a:buClrTx/>
+                        <a:buSzTx/>
+                        <a:buFont typeface="Arial" panose="020B0604020202020204" pitchFamily="34" charset="0"/>
+                        <a:buNone/>
+                        <a:tabLst/>
+                        <a:defRPr/>
+                      </a:pPr>
+                      <a:r>
+                        <a:rPr lang="en-US" sz="1200" b="1" dirty="0"/>
+                        <a:t>OAC:  </a:t>
+                      </a:r>
+                      <a:r>
+                        <a:rPr lang="en-US" sz="1200" dirty="0"/>
+                        <a:t>Manages entire end to end orchestration of BICC extraction and loading into the target data store.</a:t>
+                      </a:r>
+                    </a:p>
+                    <a:p>
+                      <a:pPr marL="0" indent="0">
+                        <a:buFont typeface="Arial" panose="020B0604020202020204" pitchFamily="34" charset="0"/>
+                        <a:buNone/>
+                      </a:pPr>
+                      <a:endParaRPr lang="en-US" sz="1200" dirty="0"/>
+                    </a:p>
+                  </a:txBody>
+                  <a:tcPr>
+                    <a:noFill/>
+                  </a:tcPr>
+                </a:tc>
+                <a:tc>
+                  <a:txBody>
+                    <a:bodyPr/>
+                    <a:lstStyle/>
+                    <a:p>
+                      <a:pPr marL="171450" indent="-171450">
+                        <a:buFont typeface="Arial" panose="020B0604020202020204" pitchFamily="34" charset="0"/>
+                        <a:buChar char="•"/>
+                      </a:pPr>
+                      <a:r>
+                        <a:rPr lang="en-US" sz="1200" baseline="0" dirty="0"/>
+                        <a:t>End to end solution.</a:t>
+                      </a:r>
+                    </a:p>
+                    <a:p>
+                      <a:pPr marL="171450" indent="-171450">
+                        <a:buFont typeface="Arial" panose="020B0604020202020204" pitchFamily="34" charset="0"/>
+                        <a:buChar char="•"/>
+                      </a:pPr>
+                      <a:r>
+                        <a:rPr lang="en-US" sz="1200" baseline="0" dirty="0"/>
+                        <a:t>Simplest to setup and run.</a:t>
+                      </a:r>
+                    </a:p>
+                    <a:p>
+                      <a:pPr marL="171450" indent="-171450">
+                        <a:buFont typeface="Arial" panose="020B0604020202020204" pitchFamily="34" charset="0"/>
+                        <a:buChar char="•"/>
+                      </a:pPr>
+                      <a:endParaRPr lang="en-US" sz="1200" baseline="0" dirty="0"/>
+                    </a:p>
+                  </a:txBody>
+                  <a:tcPr>
+                    <a:noFill/>
+                  </a:tcPr>
+                </a:tc>
+                <a:tc>
+                  <a:txBody>
+                    <a:bodyPr/>
+                    <a:lstStyle/>
+                    <a:p>
+                      <a:pPr marL="171450" indent="-171450">
+                        <a:buFont typeface="Arial" panose="020B0604020202020204" pitchFamily="34" charset="0"/>
+                        <a:buChar char="•"/>
+                      </a:pPr>
+                      <a:r>
+                        <a:rPr lang="en-US" sz="1200" dirty="0"/>
+                        <a:t>Replication only with not transformations.</a:t>
+                      </a:r>
+                    </a:p>
+                    <a:p>
+                      <a:pPr marL="171450" indent="-171450">
+                        <a:buFont typeface="Arial" panose="020B0604020202020204" pitchFamily="34" charset="0"/>
+                        <a:buChar char="•"/>
+                      </a:pPr>
+                      <a:r>
+                        <a:rPr lang="en-US" sz="1200" dirty="0"/>
+                        <a:t>Not suitable for large data volumes.</a:t>
+                      </a:r>
+                    </a:p>
+                    <a:p>
+                      <a:pPr marL="171450" indent="-171450">
+                        <a:buFont typeface="Arial" panose="020B0604020202020204" pitchFamily="34" charset="0"/>
+                        <a:buChar char="•"/>
+                      </a:pPr>
+                      <a:r>
+                        <a:rPr lang="en-US" sz="1200" dirty="0"/>
+                        <a:t>No ability to control the flow steps</a:t>
+                      </a:r>
+                    </a:p>
+                  </a:txBody>
+                  <a:tcPr>
+                    <a:noFill/>
+                  </a:tcPr>
+                </a:tc>
+                <a:extLst>
+                  <a:ext uri="{0D108BD9-81ED-4DB2-BD59-A6C34878D82A}">
+                    <a16:rowId xmlns:a16="http://schemas.microsoft.com/office/drawing/2014/main" val="1562717350"/>
+                  </a:ext>
+                </a:extLst>
+              </a:tr>
+            </a:tbl>
+          </a:graphicData>
+        </a:graphic>
+      </p:graphicFrame>
+    </p:spTree>
+    <p:extLst>
+      <p:ext uri="{BB962C8B-B14F-4D97-AF65-F5344CB8AC3E}">
+        <p14:creationId xmlns:p14="http://schemas.microsoft.com/office/powerpoint/2010/main" val="2657761493"/>
+      </p:ext>
+    </p:extLst>
+  </p:cSld>
+  <p:clrMapOvr>
+    <a:masterClrMapping/>
+  </p:clrMapOvr>
+  <mc:AlternateContent xmlns:mc="http://schemas.openxmlformats.org/markup-compatibility/2006" xmlns:p14="http://schemas.microsoft.com/office/powerpoint/2010/main">
+    <mc:Choice Requires="p14">
+      <p:transition spd="med" p14:dur="700">
+        <p:fade/>
+      </p:transition>
+    </mc:Choice>
+    <mc:Fallback xmlns="">
+      <p:transition spd="med">
+        <p:fade/>
+      </p:transition>
+    </mc:Fallback>
+  </mc:AlternateContent>
+</p:sld>
+</file>
+
+<file path=ppt/slides/slide2.xml><?xml version="1.0" encoding="utf-8"?>
+<p:sld xmlns:a="http://schemas.openxmlformats.org/drawingml/2006/main" xmlns:r="http://schemas.openxmlformats.org/officeDocument/2006/relationships" xmlns:p="http://schemas.openxmlformats.org/presentationml/2006/main">
+  <p:cSld>
+    <p:spTree>
+      <p:nvGrpSpPr>
+        <p:cNvPr id="1" name=""/>
+        <p:cNvGrpSpPr/>
+        <p:nvPr/>
+      </p:nvGrpSpPr>
+      <p:grpSpPr>
+        <a:xfrm>
+          <a:off x="0" y="0"/>
+          <a:ext cx="0" cy="0"/>
+          <a:chOff x="0" y="0"/>
+          <a:chExt cx="0" cy="0"/>
+        </a:xfrm>
+      </p:grpSpPr>
+      <p:sp>
+        <p:nvSpPr>
+          <p:cNvPr id="114" name="Title 1">
+            <a:extLst>
+              <a:ext uri="{FF2B5EF4-FFF2-40B4-BE49-F238E27FC236}">
+                <a16:creationId xmlns:a16="http://schemas.microsoft.com/office/drawing/2014/main" id="{A15530F2-106F-45F6-A5B4-52981042BB28}"/>
+              </a:ext>
+            </a:extLst>
+          </p:cNvPr>
+          <p:cNvSpPr txBox="1">
+            <a:spLocks/>
+          </p:cNvSpPr>
+          <p:nvPr/>
+        </p:nvSpPr>
+        <p:spPr>
+          <a:xfrm>
+            <a:off x="303212" y="228600"/>
+            <a:ext cx="11125199" cy="457200"/>
+          </a:xfrm>
+          <a:prstGeom prst="rect">
+            <a:avLst/>
+          </a:prstGeom>
+        </p:spPr>
+        <p:txBody>
+          <a:bodyPr vert="horz" lIns="0" tIns="0" rIns="0" bIns="0" rtlCol="0" anchor="b">
+            <a:noAutofit/>
+          </a:bodyPr>
+          <a:lstStyle>
+            <a:lvl1pPr algn="l" defTabSz="914400" rtl="0" eaLnBrk="1" latinLnBrk="0" hangingPunct="1">
+              <a:lnSpc>
+                <a:spcPct val="80000"/>
+              </a:lnSpc>
+              <a:spcBef>
+                <a:spcPct val="0"/>
+              </a:spcBef>
+              <a:buNone/>
+              <a:defRPr sz="3600" kern="1200">
+                <a:solidFill>
+                  <a:schemeClr val="tx1"/>
+                </a:solidFill>
+                <a:latin typeface="+mj-lt"/>
+                <a:ea typeface="+mj-ea"/>
+                <a:cs typeface="+mj-cs"/>
+              </a:defRPr>
+            </a:lvl1pPr>
+          </a:lstStyle>
+          <a:p>
+            <a:pPr marL="0" marR="0" lvl="0" indent="0" algn="l" defTabSz="914400" rtl="0" eaLnBrk="1" fontAlgn="auto" latinLnBrk="0" hangingPunct="1">
+              <a:lnSpc>
+                <a:spcPct val="80000"/>
+              </a:lnSpc>
+              <a:spcBef>
+                <a:spcPct val="0"/>
+              </a:spcBef>
+              <a:spcAft>
+                <a:spcPts val="0"/>
+              </a:spcAft>
+              <a:buClrTx/>
+              <a:buSzTx/>
+              <a:buFontTx/>
+              <a:buNone/>
+              <a:tabLst/>
+              <a:defRPr/>
+            </a:pPr>
+            <a:r>
+              <a:rPr lang="en-US" b="1" dirty="0">
+                <a:solidFill>
+                  <a:srgbClr val="FF0000"/>
+                </a:solidFill>
+                <a:latin typeface="Calibri"/>
+              </a:rPr>
+              <a:t>Summary / Comparison </a:t>
+            </a:r>
+            <a:r>
+              <a:rPr lang="en-US" b="1" dirty="0" err="1">
+                <a:solidFill>
+                  <a:srgbClr val="FF0000"/>
+                </a:solidFill>
+                <a:latin typeface="Calibri"/>
+              </a:rPr>
+              <a:t>Con’t</a:t>
+            </a:r>
+            <a:endParaRPr kumimoji="0" lang="en-US" sz="3600" b="1" i="0" u="none" strike="noStrike" kern="1200" cap="none" spc="0" normalizeH="0" baseline="0" noProof="0" dirty="0">
+              <a:ln>
+                <a:noFill/>
+              </a:ln>
+              <a:solidFill>
+                <a:srgbClr val="FF0000"/>
+              </a:solidFill>
+              <a:effectLst/>
+              <a:uLnTx/>
+              <a:uFillTx/>
+              <a:latin typeface="Calibri"/>
+              <a:ea typeface="+mj-ea"/>
+              <a:cs typeface="+mj-cs"/>
+            </a:endParaRPr>
+          </a:p>
+        </p:txBody>
+      </p:sp>
+      <p:graphicFrame>
+        <p:nvGraphicFramePr>
+          <p:cNvPr id="3" name="Table 2"/>
+          <p:cNvGraphicFramePr>
+            <a:graphicFrameLocks noGrp="1"/>
+          </p:cNvGraphicFramePr>
+          <p:nvPr>
+            <p:extLst>
+              <p:ext uri="{D42A27DB-BD31-4B8C-83A1-F6EECF244321}">
+                <p14:modId xmlns:p14="http://schemas.microsoft.com/office/powerpoint/2010/main" val="729506415"/>
               </p:ext>
             </p:extLst>
           </p:nvPr>
         </p:nvGraphicFramePr>
         <p:xfrm>
           <a:off x="303212" y="802773"/>
-          <a:ext cx="11582399" cy="5933256"/>
+          <a:ext cx="11582399" cy="3464376"/>
         </p:xfrm>
         <a:graphic>
           <a:graphicData uri="http://schemas.openxmlformats.org/drawingml/2006/table">
@@ -4578,419 +5532,6 @@
                   </a:ext>
                 </a:extLst>
               </a:tr>
-              <a:tr h="2325486">
-                <a:tc>
-                  <a:txBody>
-                    <a:bodyPr/>
-                    <a:lstStyle/>
-                    <a:p>
-                      <a:r>
-                        <a:rPr lang="en-US" sz="1400" b="1" dirty="0"/>
-                        <a:t>BICC</a:t>
-                      </a:r>
-                    </a:p>
-                    <a:p>
-                      <a:r>
-                        <a:rPr lang="en-US" sz="1400" b="1" dirty="0"/>
-                        <a:t>(recommended)</a:t>
-                      </a:r>
-                    </a:p>
-                  </a:txBody>
-                  <a:tcPr>
-                    <a:solidFill>
-                      <a:srgbClr val="00B0F0">
-                        <a:alpha val="20000"/>
-                      </a:srgbClr>
-                    </a:solidFill>
-                  </a:tcPr>
-                </a:tc>
-                <a:tc>
-                  <a:txBody>
-                    <a:bodyPr/>
-                    <a:lstStyle/>
-                    <a:p>
-                      <a:pPr marL="171450" indent="-171450">
-                        <a:buFont typeface="Arial" panose="020B0604020202020204" pitchFamily="34" charset="0"/>
-                        <a:buChar char="•"/>
-                      </a:pPr>
-                      <a:r>
-                        <a:rPr lang="en-US" sz="1200" dirty="0"/>
-                        <a:t>BI View Objects.</a:t>
-                      </a:r>
-                    </a:p>
-                    <a:p>
-                      <a:pPr marL="171450" indent="-171450">
-                        <a:buFont typeface="Arial" panose="020B0604020202020204" pitchFamily="34" charset="0"/>
-                        <a:buChar char="•"/>
-                      </a:pPr>
-                      <a:r>
-                        <a:rPr lang="en-US" sz="1200" dirty="0"/>
-                        <a:t>BICC Scheduled Job</a:t>
-                      </a:r>
-                    </a:p>
-                    <a:p>
-                      <a:pPr marL="171450" indent="-171450">
-                        <a:buFont typeface="Arial" panose="020B0604020202020204" pitchFamily="34" charset="0"/>
-                        <a:buChar char="•"/>
-                      </a:pPr>
-                      <a:r>
-                        <a:rPr lang="en-US" sz="1200" dirty="0"/>
-                        <a:t>Storage (UCM, Object Storage, Classic Storage).</a:t>
-                      </a:r>
-                    </a:p>
-                    <a:p>
-                      <a:pPr marL="171450" indent="-171450">
-                        <a:buFont typeface="Arial" panose="020B0604020202020204" pitchFamily="34" charset="0"/>
-                        <a:buChar char="•"/>
-                      </a:pPr>
-                      <a:r>
-                        <a:rPr lang="en-US" sz="1200" dirty="0"/>
-                        <a:t>Optional data integration tooling.</a:t>
-                      </a:r>
-                    </a:p>
-                  </a:txBody>
-                  <a:tcPr>
-                    <a:solidFill>
-                      <a:srgbClr val="00B0F0">
-                        <a:alpha val="20000"/>
-                      </a:srgbClr>
-                    </a:solidFill>
-                  </a:tcPr>
-                </a:tc>
-                <a:tc>
-                  <a:txBody>
-                    <a:bodyPr/>
-                    <a:lstStyle/>
-                    <a:p>
-                      <a:pPr marL="171450" indent="-171450">
-                        <a:buFont typeface="Arial" panose="020B0604020202020204" pitchFamily="34" charset="0"/>
-                        <a:buChar char="•"/>
-                      </a:pPr>
-                      <a:r>
-                        <a:rPr lang="en-US" sz="1200" dirty="0"/>
-                        <a:t>Schedule and run BICC extract jobs to Storage.</a:t>
-                      </a:r>
-                    </a:p>
-                    <a:p>
-                      <a:pPr marL="171450" indent="-171450">
-                        <a:buFont typeface="Arial" panose="020B0604020202020204" pitchFamily="34" charset="0"/>
-                        <a:buChar char="•"/>
-                      </a:pPr>
-                      <a:r>
-                        <a:rPr lang="en-US" sz="1200" dirty="0"/>
-                        <a:t>Load extract to target database.</a:t>
-                      </a:r>
-                    </a:p>
-                    <a:p>
-                      <a:pPr marL="171450" indent="-171450">
-                        <a:buFont typeface="Arial" panose="020B0604020202020204" pitchFamily="34" charset="0"/>
-                        <a:buChar char="•"/>
-                      </a:pPr>
-                      <a:endParaRPr lang="en-US" sz="1200" dirty="0"/>
-                    </a:p>
-                    <a:p>
-                      <a:pPr marL="0" indent="0">
-                        <a:buFont typeface="Arial" panose="020B0604020202020204" pitchFamily="34" charset="0"/>
-                        <a:buNone/>
-                      </a:pPr>
-                      <a:endParaRPr lang="en-US" sz="1200" b="1" dirty="0"/>
-                    </a:p>
-                    <a:p>
-                      <a:pPr marL="0" indent="0">
-                        <a:buFont typeface="Arial" panose="020B0604020202020204" pitchFamily="34" charset="0"/>
-                        <a:buNone/>
-                      </a:pPr>
-                      <a:r>
-                        <a:rPr lang="en-US" sz="1200" b="1" dirty="0"/>
-                        <a:t>Scripts</a:t>
-                      </a:r>
-                      <a:r>
-                        <a:rPr lang="en-US" sz="1200" dirty="0"/>
-                        <a:t>:  Required to load data from storage to the target database.</a:t>
-                      </a:r>
-                    </a:p>
-                    <a:p>
-                      <a:pPr marL="0" indent="0">
-                        <a:buFont typeface="Arial" panose="020B0604020202020204" pitchFamily="34" charset="0"/>
-                        <a:buNone/>
-                      </a:pPr>
-                      <a:r>
-                        <a:rPr lang="en-US" sz="1200" b="1" dirty="0"/>
-                        <a:t>Or use…</a:t>
-                      </a:r>
-                    </a:p>
-                    <a:p>
-                      <a:pPr marL="0" indent="0">
-                        <a:buFont typeface="Arial" panose="020B0604020202020204" pitchFamily="34" charset="0"/>
-                        <a:buNone/>
-                      </a:pPr>
-                      <a:r>
-                        <a:rPr lang="en-US" sz="1200" b="1" dirty="0"/>
-                        <a:t>ODI:  </a:t>
-                      </a:r>
-                      <a:r>
-                        <a:rPr lang="en-US" sz="1200" dirty="0"/>
-                        <a:t>Manages entire end to end orchestration of BICC extraction and loading into the target data store.</a:t>
-                      </a:r>
-                    </a:p>
-                  </a:txBody>
-                  <a:tcPr>
-                    <a:solidFill>
-                      <a:srgbClr val="00B0F0">
-                        <a:alpha val="20000"/>
-                      </a:srgbClr>
-                    </a:solidFill>
-                  </a:tcPr>
-                </a:tc>
-                <a:tc>
-                  <a:txBody>
-                    <a:bodyPr/>
-                    <a:lstStyle/>
-                    <a:p>
-                      <a:pPr marL="171450" indent="-171450">
-                        <a:buFont typeface="Arial" panose="020B0604020202020204" pitchFamily="34" charset="0"/>
-                        <a:buChar char="•"/>
-                      </a:pPr>
-                      <a:r>
-                        <a:rPr lang="en-US" sz="1200" baseline="0" dirty="0"/>
-                        <a:t>Pre-Built / Easy to configure</a:t>
-                      </a:r>
-                    </a:p>
-                    <a:p>
-                      <a:pPr marL="171450" indent="-171450">
-                        <a:buFont typeface="Arial" panose="020B0604020202020204" pitchFamily="34" charset="0"/>
-                        <a:buChar char="•"/>
-                      </a:pPr>
-                      <a:r>
-                        <a:rPr lang="en-US" sz="1200" baseline="0" dirty="0"/>
-                        <a:t>High volumes</a:t>
-                      </a:r>
-                    </a:p>
-                    <a:p>
-                      <a:pPr marL="171450" indent="-171450">
-                        <a:buFont typeface="Arial" panose="020B0604020202020204" pitchFamily="34" charset="0"/>
-                        <a:buChar char="•"/>
-                      </a:pPr>
-                      <a:r>
-                        <a:rPr lang="en-US" sz="1200" baseline="0" dirty="0"/>
-                        <a:t>Scheduling available</a:t>
-                      </a:r>
-                    </a:p>
-                    <a:p>
-                      <a:pPr marL="171450" indent="-171450">
-                        <a:buFont typeface="Arial" panose="020B0604020202020204" pitchFamily="34" charset="0"/>
-                        <a:buChar char="•"/>
-                      </a:pPr>
-                      <a:r>
-                        <a:rPr lang="en-US" sz="1200" baseline="0" dirty="0"/>
-                        <a:t>Manages incremental updates</a:t>
-                      </a:r>
-                    </a:p>
-                    <a:p>
-                      <a:pPr marL="171450" indent="-171450">
-                        <a:buFont typeface="Arial" panose="020B0604020202020204" pitchFamily="34" charset="0"/>
-                        <a:buChar char="•"/>
-                      </a:pPr>
-                      <a:endParaRPr lang="en-US" sz="1200" baseline="0" dirty="0"/>
-                    </a:p>
-                    <a:p>
-                      <a:pPr marL="171450" indent="-171450">
-                        <a:buFont typeface="Arial" panose="020B0604020202020204" pitchFamily="34" charset="0"/>
-                        <a:buChar char="•"/>
-                      </a:pPr>
-                      <a:r>
-                        <a:rPr lang="en-US" sz="1200" baseline="0" dirty="0"/>
-                        <a:t>No additional technology, no future licensing considerations.</a:t>
-                      </a:r>
-                    </a:p>
-                    <a:p>
-                      <a:pPr marL="171450" indent="-171450">
-                        <a:buFont typeface="Arial" panose="020B0604020202020204" pitchFamily="34" charset="0"/>
-                        <a:buChar char="•"/>
-                      </a:pPr>
-                      <a:r>
-                        <a:rPr lang="en-US" sz="1200" baseline="0" dirty="0"/>
-                        <a:t>Must separately manage BICC jobs.</a:t>
-                      </a:r>
-                    </a:p>
-                    <a:p>
-                      <a:pPr marL="171450" indent="-171450">
-                        <a:buFont typeface="Arial" panose="020B0604020202020204" pitchFamily="34" charset="0"/>
-                        <a:buChar char="•"/>
-                      </a:pPr>
-                      <a:endParaRPr lang="en-US" sz="1200" baseline="0" dirty="0"/>
-                    </a:p>
-                    <a:p>
-                      <a:pPr marL="171450" indent="-171450">
-                        <a:buFont typeface="Arial" panose="020B0604020202020204" pitchFamily="34" charset="0"/>
-                        <a:buChar char="•"/>
-                      </a:pPr>
-                      <a:r>
-                        <a:rPr lang="en-US" sz="1200" baseline="0" dirty="0"/>
-                        <a:t>End to end solution.</a:t>
-                      </a:r>
-                    </a:p>
-                    <a:p>
-                      <a:pPr marL="171450" indent="-171450">
-                        <a:buFont typeface="Arial" panose="020B0604020202020204" pitchFamily="34" charset="0"/>
-                        <a:buChar char="•"/>
-                      </a:pPr>
-                      <a:r>
-                        <a:rPr lang="en-US" sz="1200" baseline="0" dirty="0"/>
-                        <a:t>Handles complex transformations.</a:t>
-                      </a:r>
-                    </a:p>
-                    <a:p>
-                      <a:pPr marL="171450" indent="-171450">
-                        <a:buFont typeface="Arial" panose="020B0604020202020204" pitchFamily="34" charset="0"/>
-                        <a:buChar char="•"/>
-                      </a:pPr>
-                      <a:r>
-                        <a:rPr lang="en-US" sz="1200" baseline="0" dirty="0"/>
-                        <a:t>Recommended.</a:t>
-                      </a:r>
-                    </a:p>
-                  </a:txBody>
-                  <a:tcPr>
-                    <a:solidFill>
-                      <a:srgbClr val="00B0F0">
-                        <a:alpha val="20000"/>
-                      </a:srgbClr>
-                    </a:solidFill>
-                  </a:tcPr>
-                </a:tc>
-                <a:tc>
-                  <a:txBody>
-                    <a:bodyPr/>
-                    <a:lstStyle/>
-                    <a:p>
-                      <a:pPr marL="171450" indent="-171450">
-                        <a:buFont typeface="Arial" panose="020B0604020202020204" pitchFamily="34" charset="0"/>
-                        <a:buChar char="•"/>
-                      </a:pPr>
-                      <a:r>
-                        <a:rPr lang="en-US" sz="1200" dirty="0"/>
-                        <a:t>(Small)</a:t>
-                      </a:r>
-                      <a:r>
-                        <a:rPr lang="en-US" sz="1200" baseline="0" dirty="0"/>
-                        <a:t> Gaps in Content</a:t>
-                      </a:r>
-                    </a:p>
-                    <a:p>
-                      <a:pPr marL="171450" indent="-171450">
-                        <a:buFont typeface="Arial" panose="020B0604020202020204" pitchFamily="34" charset="0"/>
-                        <a:buChar char="•"/>
-                      </a:pPr>
-                      <a:r>
-                        <a:rPr lang="en-US" sz="1200" baseline="0" dirty="0"/>
-                        <a:t>Some transformation nuances</a:t>
-                      </a:r>
-                    </a:p>
-                    <a:p>
-                      <a:pPr marL="171450" indent="-171450">
-                        <a:buFont typeface="Arial" panose="020B0604020202020204" pitchFamily="34" charset="0"/>
-                        <a:buChar char="•"/>
-                      </a:pPr>
-                      <a:endParaRPr lang="en-US" sz="1200" baseline="0" dirty="0"/>
-                    </a:p>
-                    <a:p>
-                      <a:pPr marL="171450" indent="-171450">
-                        <a:buFont typeface="Arial" panose="020B0604020202020204" pitchFamily="34" charset="0"/>
-                        <a:buChar char="•"/>
-                      </a:pPr>
-                      <a:endParaRPr lang="en-US" sz="1200" baseline="0" dirty="0"/>
-                    </a:p>
-                    <a:p>
-                      <a:pPr marL="171450" indent="-171450">
-                        <a:buFont typeface="Arial" panose="020B0604020202020204" pitchFamily="34" charset="0"/>
-                        <a:buChar char="•"/>
-                      </a:pPr>
-                      <a:endParaRPr lang="en-US" sz="1200" baseline="0" dirty="0"/>
-                    </a:p>
-                    <a:p>
-                      <a:pPr marL="171450" indent="-171450">
-                        <a:buFont typeface="Arial" panose="020B0604020202020204" pitchFamily="34" charset="0"/>
-                        <a:buChar char="•"/>
-                      </a:pPr>
-                      <a:r>
-                        <a:rPr lang="en-US" sz="1200" baseline="0" dirty="0"/>
-                        <a:t>Hand crafted code generally not recommended due to manageability issues.</a:t>
-                      </a:r>
-                    </a:p>
-                    <a:p>
-                      <a:pPr marL="171450" indent="-171450">
-                        <a:buFont typeface="Arial" panose="020B0604020202020204" pitchFamily="34" charset="0"/>
-                        <a:buChar char="•"/>
-                      </a:pPr>
-                      <a:endParaRPr lang="en-US" sz="1200" dirty="0"/>
-                    </a:p>
-                    <a:p>
-                      <a:pPr marL="171450" indent="-171450">
-                        <a:buFont typeface="Arial" panose="020B0604020202020204" pitchFamily="34" charset="0"/>
-                        <a:buChar char="•"/>
-                      </a:pPr>
-                      <a:r>
-                        <a:rPr lang="en-US" sz="1200" dirty="0"/>
-                        <a:t>May have down stream licensing implications.</a:t>
-                      </a:r>
-                    </a:p>
-                    <a:p>
-                      <a:pPr marL="171450" indent="-171450">
-                        <a:buFont typeface="Arial" panose="020B0604020202020204" pitchFamily="34" charset="0"/>
-                        <a:buChar char="•"/>
-                      </a:pPr>
-                      <a:r>
-                        <a:rPr lang="en-US" sz="1200" dirty="0"/>
-                        <a:t>Requires use of additional compute resource and tooling.</a:t>
-                      </a:r>
-                    </a:p>
-                  </a:txBody>
-                  <a:tcPr>
-                    <a:solidFill>
-                      <a:srgbClr val="00B0F0">
-                        <a:alpha val="20000"/>
-                      </a:srgbClr>
-                    </a:solidFill>
-                  </a:tcPr>
-                </a:tc>
-                <a:tc>
-                  <a:txBody>
-                    <a:bodyPr/>
-                    <a:lstStyle/>
-                    <a:p>
-                      <a:pPr marL="171450" indent="-171450">
-                        <a:buFont typeface="Arial" panose="020B0604020202020204" pitchFamily="34" charset="0"/>
-                        <a:buChar char="•"/>
-                      </a:pPr>
-                      <a:r>
-                        <a:rPr lang="en-US" sz="1200" dirty="0"/>
-                        <a:t> CSV (</a:t>
-                      </a:r>
-                      <a:r>
-                        <a:rPr lang="en-US" sz="1200" dirty="0" err="1"/>
-                        <a:t>gzip</a:t>
-                      </a:r>
-                      <a:r>
-                        <a:rPr lang="en-US" sz="1200" dirty="0"/>
-                        <a:t>)</a:t>
-                      </a:r>
-                    </a:p>
-                  </a:txBody>
-                  <a:tcPr>
-                    <a:solidFill>
-                      <a:srgbClr val="00B0F0">
-                        <a:alpha val="20000"/>
-                      </a:srgbClr>
-                    </a:solidFill>
-                  </a:tcPr>
-                </a:tc>
-                <a:extLst>
-                  <a:ext uri="{0D108BD9-81ED-4DB2-BD59-A6C34878D82A}">
-                    <a16:rowId xmlns:a16="http://schemas.microsoft.com/office/drawing/2014/main" val="4085595"/>
-                  </a:ext>
-                </a:extLst>
-              </a:tr>
               <a:tr h="844484">
                 <a:tc>
                   <a:txBody>
@@ -5015,7 +5556,9 @@
                       </a:r>
                     </a:p>
                   </a:txBody>
-                  <a:tcPr/>
+                  <a:tcPr>
+                    <a:noFill/>
+                  </a:tcPr>
                 </a:tc>
                 <a:tc>
                   <a:txBody>
@@ -5032,7 +5575,9 @@
                       </a:r>
                     </a:p>
                   </a:txBody>
-                  <a:tcPr/>
+                  <a:tcPr>
+                    <a:noFill/>
+                  </a:tcPr>
                 </a:tc>
                 <a:tc>
                   <a:txBody>
@@ -5059,7 +5604,9 @@
                       </a:r>
                     </a:p>
                   </a:txBody>
-                  <a:tcPr/>
+                  <a:tcPr>
+                    <a:noFill/>
+                  </a:tcPr>
                 </a:tc>
                 <a:tc>
                   <a:txBody>
@@ -5076,7 +5623,9 @@
                       </a:r>
                     </a:p>
                   </a:txBody>
-                  <a:tcPr/>
+                  <a:tcPr>
+                    <a:noFill/>
+                  </a:tcPr>
                 </a:tc>
                 <a:tc>
                   <a:txBody>
@@ -5127,7 +5676,9 @@
                       </a:r>
                     </a:p>
                   </a:txBody>
-                  <a:tcPr/>
+                  <a:tcPr>
+                    <a:noFill/>
+                  </a:tcPr>
                 </a:tc>
                 <a:tc>
                   <a:txBody>
@@ -5144,7 +5695,9 @@
                       </a:r>
                     </a:p>
                   </a:txBody>
-                  <a:tcPr/>
+                  <a:tcPr>
+                    <a:noFill/>
+                  </a:tcPr>
                 </a:tc>
                 <a:extLst>
                   <a:ext uri="{0D108BD9-81ED-4DB2-BD59-A6C34878D82A}">
@@ -5171,11 +5724,7 @@
                     </a:p>
                   </a:txBody>
                   <a:tcPr>
-                    <a:solidFill>
-                      <a:srgbClr val="00B0F0">
-                        <a:alpha val="20000"/>
-                      </a:srgbClr>
-                    </a:solidFill>
+                    <a:noFill/>
                   </a:tcPr>
                 </a:tc>
                 <a:tc>
@@ -5204,11 +5753,7 @@
                     </a:p>
                   </a:txBody>
                   <a:tcPr>
-                    <a:solidFill>
-                      <a:srgbClr val="00B0F0">
-                        <a:alpha val="20000"/>
-                      </a:srgbClr>
-                    </a:solidFill>
+                    <a:noFill/>
                   </a:tcPr>
                 </a:tc>
                 <a:tc>
@@ -5247,11 +5792,7 @@
                     </a:p>
                   </a:txBody>
                   <a:tcPr>
-                    <a:solidFill>
-                      <a:srgbClr val="00B0F0">
-                        <a:alpha val="20000"/>
-                      </a:srgbClr>
-                    </a:solidFill>
+                    <a:noFill/>
                   </a:tcPr>
                 </a:tc>
                 <a:tc>
@@ -5301,11 +5842,7 @@
                     </a:p>
                   </a:txBody>
                   <a:tcPr>
-                    <a:solidFill>
-                      <a:srgbClr val="00B0F0">
-                        <a:alpha val="20000"/>
-                      </a:srgbClr>
-                    </a:solidFill>
+                    <a:noFill/>
                   </a:tcPr>
                 </a:tc>
                 <a:tc>
@@ -5348,11 +5885,7 @@
                     </a:p>
                   </a:txBody>
                   <a:tcPr>
-                    <a:solidFill>
-                      <a:srgbClr val="00B0F0">
-                        <a:alpha val="20000"/>
-                      </a:srgbClr>
-                    </a:solidFill>
+                    <a:noFill/>
                   </a:tcPr>
                 </a:tc>
                 <a:tc>
@@ -5376,11 +5909,7 @@
                     </a:p>
                   </a:txBody>
                   <a:tcPr>
-                    <a:solidFill>
-                      <a:srgbClr val="00B0F0">
-                        <a:alpha val="20000"/>
-                      </a:srgbClr>
-                    </a:solidFill>
+                    <a:noFill/>
                   </a:tcPr>
                 </a:tc>
                 <a:extLst>
@@ -5396,7 +5925,7 @@
     </p:spTree>
     <p:extLst>
       <p:ext uri="{BB962C8B-B14F-4D97-AF65-F5344CB8AC3E}">
-        <p14:creationId xmlns:p14="http://schemas.microsoft.com/office/powerpoint/2010/main" val="2657761493"/>
+        <p14:creationId xmlns:p14="http://schemas.microsoft.com/office/powerpoint/2010/main" val="205989368"/>
       </p:ext>
     </p:extLst>
   </p:cSld>
@@ -5418,7 +5947,7 @@
 </p:sld>
 </file>
 
-<file path=ppt/slides/slide2.xml><?xml version="1.0" encoding="utf-8"?>
+<file path=ppt/slides/slide3.xml><?xml version="1.0" encoding="utf-8"?>
 <p:sld xmlns:a="http://schemas.openxmlformats.org/drawingml/2006/main" xmlns:r="http://schemas.openxmlformats.org/officeDocument/2006/relationships" xmlns:p="http://schemas.openxmlformats.org/presentationml/2006/main">
   <p:cSld>
     <p:spTree>

--- a/Architecture_Options_for_Fusion_Data_Extraction.pptx
+++ b/Architecture_Options_for_Fusion_Data_Extraction.pptx
@@ -4438,7 +4438,7 @@
           <p:nvPr>
             <p:extLst>
               <p:ext uri="{D42A27DB-BD31-4B8C-83A1-F6EECF244321}">
-                <p14:modId xmlns:p14="http://schemas.microsoft.com/office/powerpoint/2010/main" val="334680257"/>
+                <p14:modId xmlns:p14="http://schemas.microsoft.com/office/powerpoint/2010/main" val="1141443552"/>
               </p:ext>
             </p:extLst>
           </p:nvPr>
@@ -4670,7 +4670,7 @@
                       </a:pPr>
                       <a:r>
                         <a:rPr lang="en-US" sz="1200" baseline="0" dirty="0"/>
-                        <a:t>Pre-Built / Easy to configure</a:t>
+                        <a:t>Pre-Built / Easy to configure.</a:t>
                       </a:r>
                     </a:p>
                     <a:p>
@@ -4680,7 +4680,7 @@
                       </a:pPr>
                       <a:r>
                         <a:rPr lang="en-US" sz="1200" baseline="0" dirty="0"/>
-                        <a:t>High volumes</a:t>
+                        <a:t>High volumes.</a:t>
                       </a:r>
                     </a:p>
                     <a:p>
@@ -4690,7 +4690,7 @@
                       </a:pPr>
                       <a:r>
                         <a:rPr lang="en-US" sz="1200" baseline="0" dirty="0"/>
-                        <a:t>Scheduling available</a:t>
+                        <a:t>Scheduling available.</a:t>
                       </a:r>
                     </a:p>
                     <a:p>
@@ -4700,7 +4700,7 @@
                       </a:pPr>
                       <a:r>
                         <a:rPr lang="en-US" sz="1200" baseline="0" dirty="0"/>
-                        <a:t>Manages incremental updates</a:t>
+                        <a:t>Manages incremental updates.</a:t>
                       </a:r>
                     </a:p>
                     <a:p>
@@ -4744,7 +4744,7 @@
                       </a:r>
                       <a:r>
                         <a:rPr lang="en-US" sz="1200" baseline="0" dirty="0"/>
-                        <a:t> Gaps in Content</a:t>
+                        <a:t> Gaps in Content.</a:t>
                       </a:r>
                     </a:p>
                     <a:p>
@@ -4754,7 +4754,7 @@
                       </a:pPr>
                       <a:r>
                         <a:rPr lang="en-US" sz="1200" baseline="0" dirty="0"/>
-                        <a:t>Some transformation nuances</a:t>
+                        <a:t>Some transformation nuances.</a:t>
                       </a:r>
                     </a:p>
                     <a:p>
@@ -4871,7 +4871,7 @@
                       </a:pPr>
                       <a:r>
                         <a:rPr lang="en-US" sz="1200" baseline="0" dirty="0"/>
-                        <a:t>Must separately manage BICC jobs</a:t>
+                        <a:t>Must separately manage BICC jobs.</a:t>
                       </a:r>
                     </a:p>
                   </a:txBody>
@@ -5203,7 +5203,7 @@
                       </a:pPr>
                       <a:r>
                         <a:rPr lang="en-US" sz="1200" dirty="0"/>
-                        <a:t>Replication only with not transformations.</a:t>
+                        <a:t>Replication only with no transformations.</a:t>
                       </a:r>
                     </a:p>
                     <a:p>
@@ -5223,8 +5223,13 @@
                       </a:pPr>
                       <a:r>
                         <a:rPr lang="en-US" sz="1200" dirty="0"/>
-                        <a:t>No ability to control the flow steps</a:t>
+                        <a:t>No ability to control the </a:t>
                       </a:r>
+                      <a:r>
+                        <a:rPr lang="en-US" sz="1200"/>
+                        <a:t>flow steps.</a:t>
+                      </a:r>
+                      <a:endParaRPr lang="en-US" sz="1200" dirty="0"/>
                     </a:p>
                   </a:txBody>
                   <a:tcPr>

--- a/Architecture_Options_for_Fusion_Data_Extraction.pptx
+++ b/Architecture_Options_for_Fusion_Data_Extraction.pptx
@@ -5,20 +5,21 @@
     <p:sldMasterId id="2147484177" r:id="rId1"/>
   </p:sldMasterIdLst>
   <p:notesMasterIdLst>
-    <p:notesMasterId r:id="rId5"/>
+    <p:notesMasterId r:id="rId6"/>
   </p:notesMasterIdLst>
   <p:handoutMasterIdLst>
-    <p:handoutMasterId r:id="rId6"/>
+    <p:handoutMasterId r:id="rId7"/>
   </p:handoutMasterIdLst>
   <p:sldIdLst>
     <p:sldId id="1372" r:id="rId2"/>
     <p:sldId id="1373" r:id="rId3"/>
     <p:sldId id="1370" r:id="rId4"/>
+    <p:sldId id="1374" r:id="rId5"/>
   </p:sldIdLst>
   <p:sldSz cx="12188825" cy="6858000"/>
   <p:notesSz cx="7315200" cy="12344400"/>
   <p:custDataLst>
-    <p:tags r:id="rId7"/>
+    <p:tags r:id="rId8"/>
   </p:custDataLst>
   <p:defaultTextStyle>
     <a:defPPr>
@@ -266,7 +267,7 @@
             <a:fld id="{1E821AA6-70BE-4FDE-A8DC-DB381A688FD8}" type="datetimeFigureOut">
               <a:rPr lang="en-US"/>
               <a:pPr/>
-              <a:t>11/19/19</a:t>
+              <a:t>11/20/19</a:t>
             </a:fld>
             <a:endParaRPr dirty="0"/>
           </a:p>
@@ -1060,7 +1061,7 @@
                 </a:solidFill>
               </a:rPr>
               <a:pPr/>
-              <a:t>11/19/19</a:t>
+              <a:t>11/20/19</a:t>
             </a:fld>
             <a:endParaRPr lang="en-US">
               <a:solidFill>
@@ -1412,7 +1413,7 @@
                 </a:solidFill>
               </a:rPr>
               <a:pPr/>
-              <a:t>11/19/19</a:t>
+              <a:t>11/20/19</a:t>
             </a:fld>
             <a:endParaRPr lang="en-US">
               <a:solidFill>
@@ -1764,7 +1765,7 @@
                 </a:solidFill>
               </a:rPr>
               <a:pPr/>
-              <a:t>11/19/19</a:t>
+              <a:t>11/20/19</a:t>
             </a:fld>
             <a:endParaRPr lang="en-US">
               <a:solidFill>
@@ -1982,7 +1983,7 @@
                 </a:solidFill>
               </a:rPr>
               <a:pPr/>
-              <a:t>11/19/19</a:t>
+              <a:t>11/20/19</a:t>
             </a:fld>
             <a:endParaRPr>
               <a:solidFill>
@@ -4438,7 +4439,7 @@
           <p:nvPr>
             <p:extLst>
               <p:ext uri="{D42A27DB-BD31-4B8C-83A1-F6EECF244321}">
-                <p14:modId xmlns:p14="http://schemas.microsoft.com/office/powerpoint/2010/main" val="1141443552"/>
+                <p14:modId xmlns:p14="http://schemas.microsoft.com/office/powerpoint/2010/main" val="3976167758"/>
               </p:ext>
             </p:extLst>
           </p:nvPr>
@@ -5213,7 +5214,7 @@
                       </a:pPr>
                       <a:r>
                         <a:rPr lang="en-US" sz="1200" dirty="0"/>
-                        <a:t>Not suitable for large data volumes.</a:t>
+                        <a:t>Significantly slower and is not suitable for large tables or data volumes.</a:t>
                       </a:r>
                     </a:p>
                     <a:p>
@@ -5223,13 +5224,8 @@
                       </a:pPr>
                       <a:r>
                         <a:rPr lang="en-US" sz="1200" dirty="0"/>
-                        <a:t>No ability to control the </a:t>
+                        <a:t>No ability to control the flow steps.</a:t>
                       </a:r>
-                      <a:r>
-                        <a:rPr lang="en-US" sz="1200"/>
-                        <a:t>flow steps.</a:t>
-                      </a:r>
-                      <a:endParaRPr lang="en-US" sz="1200" dirty="0"/>
                     </a:p>
                   </a:txBody>
                   <a:tcPr>
@@ -7422,6 +7418,1657 @@
     <p:extLst>
       <p:ext uri="{BB962C8B-B14F-4D97-AF65-F5344CB8AC3E}">
         <p14:creationId xmlns:p14="http://schemas.microsoft.com/office/powerpoint/2010/main" val="1171713073"/>
+      </p:ext>
+    </p:extLst>
+  </p:cSld>
+  <p:clrMapOvr>
+    <a:masterClrMapping/>
+  </p:clrMapOvr>
+  <mc:AlternateContent xmlns:mc="http://schemas.openxmlformats.org/markup-compatibility/2006" xmlns:p14="http://schemas.microsoft.com/office/powerpoint/2010/main">
+    <mc:Choice Requires="p14">
+      <p:transition spd="med" p14:dur="700">
+        <p:fade/>
+      </p:transition>
+    </mc:Choice>
+    <mc:Fallback xmlns="">
+      <p:transition spd="med">
+        <p:fade/>
+      </p:transition>
+    </mc:Fallback>
+  </mc:AlternateContent>
+  <p:timing>
+    <p:tnLst>
+      <p:par>
+        <p:cTn id="1" dur="indefinite" restart="never" nodeType="tmRoot">
+          <p:childTnLst>
+            <p:seq concurrent="1" nextAc="seek">
+              <p:cTn id="2" dur="indefinite" nodeType="mainSeq">
+                <p:childTnLst>
+                  <p:par>
+                    <p:cTn id="3" fill="hold">
+                      <p:stCondLst>
+                        <p:cond delay="indefinite"/>
+                        <p:cond evt="onBegin" delay="0">
+                          <p:tn val="2"/>
+                        </p:cond>
+                      </p:stCondLst>
+                      <p:childTnLst>
+                        <p:par>
+                          <p:cTn id="4" fill="hold">
+                            <p:stCondLst>
+                              <p:cond delay="0"/>
+                            </p:stCondLst>
+                            <p:childTnLst>
+                              <p:par>
+                                <p:cTn id="5" presetID="1" presetClass="entr" presetSubtype="0" fill="hold" nodeType="withEffect">
+                                  <p:stCondLst>
+                                    <p:cond delay="0"/>
+                                  </p:stCondLst>
+                                  <p:childTnLst>
+                                    <p:set>
+                                      <p:cBhvr>
+                                        <p:cTn id="6" dur="1" fill="hold">
+                                          <p:stCondLst>
+                                            <p:cond delay="0"/>
+                                          </p:stCondLst>
+                                        </p:cTn>
+                                        <p:tgtEl>
+                                          <p:spTgt spid="125"/>
+                                        </p:tgtEl>
+                                        <p:attrNameLst>
+                                          <p:attrName>style.visibility</p:attrName>
+                                        </p:attrNameLst>
+                                      </p:cBhvr>
+                                      <p:to>
+                                        <p:strVal val="visible"/>
+                                      </p:to>
+                                    </p:set>
+                                  </p:childTnLst>
+                                </p:cTn>
+                              </p:par>
+                              <p:par>
+                                <p:cTn id="7" presetID="1" presetClass="entr" presetSubtype="0" fill="hold" nodeType="withEffect">
+                                  <p:stCondLst>
+                                    <p:cond delay="0"/>
+                                  </p:stCondLst>
+                                  <p:childTnLst>
+                                    <p:set>
+                                      <p:cBhvr>
+                                        <p:cTn id="8" dur="1" fill="hold">
+                                          <p:stCondLst>
+                                            <p:cond delay="0"/>
+                                          </p:stCondLst>
+                                        </p:cTn>
+                                        <p:tgtEl>
+                                          <p:spTgt spid="126"/>
+                                        </p:tgtEl>
+                                        <p:attrNameLst>
+                                          <p:attrName>style.visibility</p:attrName>
+                                        </p:attrNameLst>
+                                      </p:cBhvr>
+                                      <p:to>
+                                        <p:strVal val="visible"/>
+                                      </p:to>
+                                    </p:set>
+                                  </p:childTnLst>
+                                </p:cTn>
+                              </p:par>
+                              <p:par>
+                                <p:cTn id="9" presetID="1" presetClass="entr" presetSubtype="0" fill="hold" nodeType="withEffect">
+                                  <p:stCondLst>
+                                    <p:cond delay="0"/>
+                                  </p:stCondLst>
+                                  <p:childTnLst>
+                                    <p:set>
+                                      <p:cBhvr>
+                                        <p:cTn id="10" dur="1" fill="hold">
+                                          <p:stCondLst>
+                                            <p:cond delay="0"/>
+                                          </p:stCondLst>
+                                        </p:cTn>
+                                        <p:tgtEl>
+                                          <p:spTgt spid="38"/>
+                                        </p:tgtEl>
+                                        <p:attrNameLst>
+                                          <p:attrName>style.visibility</p:attrName>
+                                        </p:attrNameLst>
+                                      </p:cBhvr>
+                                      <p:to>
+                                        <p:strVal val="visible"/>
+                                      </p:to>
+                                    </p:set>
+                                  </p:childTnLst>
+                                </p:cTn>
+                              </p:par>
+                            </p:childTnLst>
+                          </p:cTn>
+                        </p:par>
+                      </p:childTnLst>
+                    </p:cTn>
+                  </p:par>
+                </p:childTnLst>
+              </p:cTn>
+              <p:prevCondLst>
+                <p:cond evt="onPrev" delay="0">
+                  <p:tgtEl>
+                    <p:sldTgt/>
+                  </p:tgtEl>
+                </p:cond>
+              </p:prevCondLst>
+              <p:nextCondLst>
+                <p:cond evt="onNext" delay="0">
+                  <p:tgtEl>
+                    <p:sldTgt/>
+                  </p:tgtEl>
+                </p:cond>
+              </p:nextCondLst>
+            </p:seq>
+          </p:childTnLst>
+        </p:cTn>
+      </p:par>
+    </p:tnLst>
+  </p:timing>
+</p:sld>
+</file>
+
+<file path=ppt/slides/slide4.xml><?xml version="1.0" encoding="utf-8"?>
+<p:sld xmlns:a="http://schemas.openxmlformats.org/drawingml/2006/main" xmlns:r="http://schemas.openxmlformats.org/officeDocument/2006/relationships" xmlns:p="http://schemas.openxmlformats.org/presentationml/2006/main">
+  <p:cSld>
+    <p:spTree>
+      <p:nvGrpSpPr>
+        <p:cNvPr id="1" name=""/>
+        <p:cNvGrpSpPr/>
+        <p:nvPr/>
+      </p:nvGrpSpPr>
+      <p:grpSpPr>
+        <a:xfrm>
+          <a:off x="0" y="0"/>
+          <a:ext cx="0" cy="0"/>
+          <a:chOff x="0" y="0"/>
+          <a:chExt cx="0" cy="0"/>
+        </a:xfrm>
+      </p:grpSpPr>
+      <p:pic>
+        <p:nvPicPr>
+          <p:cNvPr id="26" name="Picture 9">
+            <a:extLst>
+              <a:ext uri="{FF2B5EF4-FFF2-40B4-BE49-F238E27FC236}">
+                <a16:creationId xmlns:a16="http://schemas.microsoft.com/office/drawing/2014/main" id="{E6123644-5F93-F64D-8035-E2A54F5D5831}"/>
+              </a:ext>
+            </a:extLst>
+          </p:cNvPr>
+          <p:cNvPicPr>
+            <a:picLocks noChangeAspect="1"/>
+          </p:cNvPicPr>
+          <p:nvPr/>
+        </p:nvPicPr>
+        <p:blipFill>
+          <a:blip r:embed="rId2" cstate="print"/>
+          <a:srcRect/>
+          <a:stretch>
+            <a:fillRect/>
+          </a:stretch>
+        </p:blipFill>
+        <p:spPr bwMode="auto">
+          <a:xfrm>
+            <a:off x="5601947" y="937563"/>
+            <a:ext cx="5543282" cy="5184747"/>
+          </a:xfrm>
+          <a:prstGeom prst="rect">
+            <a:avLst/>
+          </a:prstGeom>
+          <a:noFill/>
+          <a:ln w="9525">
+            <a:noFill/>
+            <a:miter lim="800000"/>
+            <a:headEnd/>
+            <a:tailEnd/>
+          </a:ln>
+        </p:spPr>
+      </p:pic>
+      <p:pic>
+        <p:nvPicPr>
+          <p:cNvPr id="31" name="Picture 9">
+            <a:extLst>
+              <a:ext uri="{FF2B5EF4-FFF2-40B4-BE49-F238E27FC236}">
+                <a16:creationId xmlns:a16="http://schemas.microsoft.com/office/drawing/2014/main" id="{46B88051-C55A-47FE-A38A-41B5F41D79D3}"/>
+              </a:ext>
+            </a:extLst>
+          </p:cNvPr>
+          <p:cNvPicPr>
+            <a:picLocks noChangeAspect="1"/>
+          </p:cNvPicPr>
+          <p:nvPr/>
+        </p:nvPicPr>
+        <p:blipFill>
+          <a:blip r:embed="rId2" cstate="print"/>
+          <a:srcRect/>
+          <a:stretch>
+            <a:fillRect/>
+          </a:stretch>
+        </p:blipFill>
+        <p:spPr bwMode="auto">
+          <a:xfrm>
+            <a:off x="510520" y="937563"/>
+            <a:ext cx="5214040" cy="4876800"/>
+          </a:xfrm>
+          <a:prstGeom prst="rect">
+            <a:avLst/>
+          </a:prstGeom>
+          <a:noFill/>
+          <a:ln w="9525">
+            <a:noFill/>
+            <a:miter lim="800000"/>
+            <a:headEnd/>
+            <a:tailEnd/>
+          </a:ln>
+        </p:spPr>
+      </p:pic>
+      <p:sp>
+        <p:nvSpPr>
+          <p:cNvPr id="32" name="TextBox 14">
+            <a:extLst>
+              <a:ext uri="{FF2B5EF4-FFF2-40B4-BE49-F238E27FC236}">
+                <a16:creationId xmlns:a16="http://schemas.microsoft.com/office/drawing/2014/main" id="{A2D61389-CD9F-4564-A181-029747866998}"/>
+              </a:ext>
+            </a:extLst>
+          </p:cNvPr>
+          <p:cNvSpPr txBox="1">
+            <a:spLocks noChangeArrowheads="1"/>
+          </p:cNvSpPr>
+          <p:nvPr/>
+        </p:nvSpPr>
+        <p:spPr bwMode="auto">
+          <a:xfrm>
+            <a:off x="2028127" y="1458823"/>
+            <a:ext cx="1901595" cy="311150"/>
+          </a:xfrm>
+          <a:prstGeom prst="rect">
+            <a:avLst/>
+          </a:prstGeom>
+          <a:noFill/>
+          <a:ln w="9525">
+            <a:noFill/>
+            <a:miter lim="800000"/>
+            <a:headEnd/>
+            <a:tailEnd/>
+          </a:ln>
+        </p:spPr>
+        <p:txBody>
+          <a:bodyPr lIns="0" tIns="0" rIns="0" bIns="0"/>
+          <a:lstStyle/>
+          <a:p>
+            <a:pPr marL="0" marR="0" lvl="0" indent="0" algn="ctr" defTabSz="914400" eaLnBrk="1" fontAlgn="auto" latinLnBrk="0" hangingPunct="1">
+              <a:lnSpc>
+                <a:spcPct val="90000"/>
+              </a:lnSpc>
+              <a:spcBef>
+                <a:spcPts val="0"/>
+              </a:spcBef>
+              <a:spcAft>
+                <a:spcPts val="0"/>
+              </a:spcAft>
+              <a:buClrTx/>
+              <a:buSzTx/>
+              <a:buFontTx/>
+              <a:buNone/>
+              <a:tabLst/>
+              <a:defRPr/>
+            </a:pPr>
+            <a:r>
+              <a:rPr kumimoji="0" lang="en-US" sz="2400" b="1" i="0" u="none" strike="noStrike" kern="0" cap="none" spc="0" normalizeH="0" baseline="0" noProof="0" dirty="0">
+                <a:ln>
+                  <a:noFill/>
+                </a:ln>
+                <a:solidFill>
+                  <a:srgbClr val="FF0000"/>
+                </a:solidFill>
+                <a:effectLst/>
+                <a:uLnTx/>
+                <a:uFillTx/>
+              </a:rPr>
+              <a:t>Fusion Cloud</a:t>
+            </a:r>
+            <a:endParaRPr kumimoji="0" lang="en-US" sz="1800" b="1" i="0" u="none" strike="noStrike" kern="0" cap="none" spc="0" normalizeH="0" baseline="0" noProof="0" dirty="0">
+              <a:ln>
+                <a:noFill/>
+              </a:ln>
+              <a:solidFill>
+                <a:srgbClr val="FF0000"/>
+              </a:solidFill>
+              <a:effectLst/>
+              <a:uLnTx/>
+              <a:uFillTx/>
+            </a:endParaRPr>
+          </a:p>
+        </p:txBody>
+      </p:sp>
+      <p:sp>
+        <p:nvSpPr>
+          <p:cNvPr id="114" name="Title 1">
+            <a:extLst>
+              <a:ext uri="{FF2B5EF4-FFF2-40B4-BE49-F238E27FC236}">
+                <a16:creationId xmlns:a16="http://schemas.microsoft.com/office/drawing/2014/main" id="{A15530F2-106F-45F6-A5B4-52981042BB28}"/>
+              </a:ext>
+            </a:extLst>
+          </p:cNvPr>
+          <p:cNvSpPr txBox="1">
+            <a:spLocks/>
+          </p:cNvSpPr>
+          <p:nvPr/>
+        </p:nvSpPr>
+        <p:spPr>
+          <a:xfrm>
+            <a:off x="1648428" y="461802"/>
+            <a:ext cx="9039612" cy="637752"/>
+          </a:xfrm>
+          <a:prstGeom prst="rect">
+            <a:avLst/>
+          </a:prstGeom>
+        </p:spPr>
+        <p:txBody>
+          <a:bodyPr vert="horz" lIns="0" tIns="0" rIns="0" bIns="0" rtlCol="0" anchor="b">
+            <a:noAutofit/>
+          </a:bodyPr>
+          <a:lstStyle>
+            <a:lvl1pPr algn="l" defTabSz="914400" rtl="0" eaLnBrk="1" latinLnBrk="0" hangingPunct="1">
+              <a:lnSpc>
+                <a:spcPct val="80000"/>
+              </a:lnSpc>
+              <a:spcBef>
+                <a:spcPct val="0"/>
+              </a:spcBef>
+              <a:buNone/>
+              <a:defRPr sz="3600" kern="1200">
+                <a:solidFill>
+                  <a:schemeClr val="tx1"/>
+                </a:solidFill>
+                <a:latin typeface="+mj-lt"/>
+                <a:ea typeface="+mj-ea"/>
+                <a:cs typeface="+mj-cs"/>
+              </a:defRPr>
+            </a:lvl1pPr>
+          </a:lstStyle>
+          <a:p>
+            <a:pPr marL="0" marR="0" lvl="0" indent="0" algn="l" defTabSz="914400" rtl="0" eaLnBrk="1" fontAlgn="auto" latinLnBrk="0" hangingPunct="1">
+              <a:lnSpc>
+                <a:spcPct val="80000"/>
+              </a:lnSpc>
+              <a:spcBef>
+                <a:spcPct val="0"/>
+              </a:spcBef>
+              <a:spcAft>
+                <a:spcPts val="0"/>
+              </a:spcAft>
+              <a:buClrTx/>
+              <a:buSzTx/>
+              <a:buFontTx/>
+              <a:buNone/>
+              <a:tabLst/>
+              <a:defRPr/>
+            </a:pPr>
+            <a:r>
+              <a:rPr kumimoji="0" lang="en-US" sz="3600" b="1" i="0" u="none" strike="noStrike" kern="1200" cap="none" spc="0" normalizeH="0" baseline="0" noProof="0" dirty="0">
+                <a:ln>
+                  <a:noFill/>
+                </a:ln>
+                <a:solidFill>
+                  <a:srgbClr val="FF0000"/>
+                </a:solidFill>
+                <a:effectLst/>
+                <a:uLnTx/>
+                <a:uFillTx/>
+                <a:latin typeface="Calibri"/>
+                <a:ea typeface="+mj-ea"/>
+                <a:cs typeface="+mj-cs"/>
+              </a:rPr>
+              <a:t>Data Extract using BI Cloud Connector (BICC)</a:t>
+            </a:r>
+          </a:p>
+          <a:p>
+            <a:pPr marL="0" marR="0" lvl="0" indent="0" algn="ctr" defTabSz="914400" rtl="0" eaLnBrk="1" fontAlgn="auto" latinLnBrk="0" hangingPunct="1">
+              <a:lnSpc>
+                <a:spcPct val="80000"/>
+              </a:lnSpc>
+              <a:spcBef>
+                <a:spcPct val="0"/>
+              </a:spcBef>
+              <a:spcAft>
+                <a:spcPts val="0"/>
+              </a:spcAft>
+              <a:buClrTx/>
+              <a:buSzTx/>
+              <a:buFontTx/>
+              <a:buNone/>
+              <a:tabLst/>
+              <a:defRPr/>
+            </a:pPr>
+            <a:r>
+              <a:rPr lang="en-US" b="1" dirty="0">
+                <a:solidFill>
+                  <a:srgbClr val="FF0000"/>
+                </a:solidFill>
+                <a:latin typeface="Calibri"/>
+              </a:rPr>
+              <a:t>With OAC</a:t>
+            </a:r>
+            <a:endParaRPr kumimoji="0" lang="en-US" sz="3600" b="1" i="0" u="none" strike="noStrike" kern="1200" cap="none" spc="0" normalizeH="0" baseline="0" noProof="0" dirty="0">
+              <a:ln>
+                <a:noFill/>
+              </a:ln>
+              <a:solidFill>
+                <a:srgbClr val="FF0000"/>
+              </a:solidFill>
+              <a:effectLst/>
+              <a:uLnTx/>
+              <a:uFillTx/>
+              <a:latin typeface="Calibri"/>
+              <a:ea typeface="+mj-ea"/>
+              <a:cs typeface="+mj-cs"/>
+            </a:endParaRPr>
+          </a:p>
+        </p:txBody>
+      </p:sp>
+      <p:sp>
+        <p:nvSpPr>
+          <p:cNvPr id="119" name="Can 9">
+            <a:extLst>
+              <a:ext uri="{FF2B5EF4-FFF2-40B4-BE49-F238E27FC236}">
+                <a16:creationId xmlns:a16="http://schemas.microsoft.com/office/drawing/2014/main" id="{37B51D90-A8F7-425A-88FF-713E99C08B2D}"/>
+              </a:ext>
+            </a:extLst>
+          </p:cNvPr>
+          <p:cNvSpPr/>
+          <p:nvPr/>
+        </p:nvSpPr>
+        <p:spPr>
+          <a:xfrm>
+            <a:off x="2481379" y="2384578"/>
+            <a:ext cx="1088266" cy="660400"/>
+          </a:xfrm>
+          <a:prstGeom prst="can">
+            <a:avLst/>
+          </a:prstGeom>
+          <a:solidFill>
+            <a:srgbClr val="8DA6B1"/>
+          </a:solidFill>
+          <a:ln w="19050" cap="flat" cmpd="sng" algn="ctr">
+            <a:solidFill>
+              <a:srgbClr val="8DA6B1"/>
+            </a:solidFill>
+            <a:prstDash val="solid"/>
+            <a:miter lim="800000"/>
+          </a:ln>
+          <a:effectLst/>
+        </p:spPr>
+        <p:txBody>
+          <a:bodyPr rot="0" spcFirstLastPara="0" vertOverflow="overflow" horzOverflow="overflow" vert="horz" wrap="square" lIns="91440" tIns="45720" rIns="91440" bIns="45720" numCol="1" spcCol="0" rtlCol="0" fromWordArt="0" anchor="ctr" anchorCtr="0" forceAA="0" compatLnSpc="1">
+            <a:prstTxWarp prst="textNoShape">
+              <a:avLst/>
+            </a:prstTxWarp>
+            <a:noAutofit/>
+          </a:bodyPr>
+          <a:lstStyle/>
+          <a:p>
+            <a:pPr marL="0" marR="0" lvl="0" indent="0" algn="ctr" defTabSz="914400" eaLnBrk="1" fontAlgn="auto" latinLnBrk="0" hangingPunct="1">
+              <a:lnSpc>
+                <a:spcPct val="90000"/>
+              </a:lnSpc>
+              <a:spcBef>
+                <a:spcPts val="0"/>
+              </a:spcBef>
+              <a:spcAft>
+                <a:spcPts val="0"/>
+              </a:spcAft>
+              <a:buClrTx/>
+              <a:buSzTx/>
+              <a:buFontTx/>
+              <a:buNone/>
+              <a:tabLst/>
+              <a:defRPr/>
+            </a:pPr>
+            <a:r>
+              <a:rPr kumimoji="0" lang="en-US" sz="1600" b="0" i="0" u="none" strike="noStrike" kern="0" cap="none" spc="0" normalizeH="0" baseline="0" noProof="0" dirty="0">
+                <a:ln>
+                  <a:noFill/>
+                </a:ln>
+                <a:solidFill>
+                  <a:srgbClr val="FFFFFF"/>
+                </a:solidFill>
+                <a:effectLst/>
+                <a:uLnTx/>
+                <a:uFillTx/>
+                <a:latin typeface="Calibri"/>
+                <a:ea typeface="+mn-ea"/>
+                <a:cs typeface="+mn-cs"/>
+              </a:rPr>
+              <a:t>ERP Tables</a:t>
+            </a:r>
+          </a:p>
+        </p:txBody>
+      </p:sp>
+      <p:sp>
+        <p:nvSpPr>
+          <p:cNvPr id="120" name="Snip Single Corner Rectangle 10">
+            <a:extLst>
+              <a:ext uri="{FF2B5EF4-FFF2-40B4-BE49-F238E27FC236}">
+                <a16:creationId xmlns:a16="http://schemas.microsoft.com/office/drawing/2014/main" id="{22CB8870-6CF9-406D-8790-AAA6D4684AB2}"/>
+              </a:ext>
+            </a:extLst>
+          </p:cNvPr>
+          <p:cNvSpPr/>
+          <p:nvPr/>
+        </p:nvSpPr>
+        <p:spPr>
+          <a:xfrm>
+            <a:off x="6932613" y="3657600"/>
+            <a:ext cx="457200" cy="431800"/>
+          </a:xfrm>
+          <a:prstGeom prst="snip1Rect">
+            <a:avLst/>
+          </a:prstGeom>
+          <a:solidFill>
+            <a:srgbClr val="8DA6B1"/>
+          </a:solidFill>
+          <a:ln w="19050" cap="flat" cmpd="sng" algn="ctr">
+            <a:solidFill>
+              <a:srgbClr val="8DA6B1"/>
+            </a:solidFill>
+            <a:prstDash val="solid"/>
+            <a:miter lim="800000"/>
+          </a:ln>
+          <a:effectLst/>
+        </p:spPr>
+        <p:txBody>
+          <a:bodyPr rot="0" spcFirstLastPara="0" vertOverflow="overflow" horzOverflow="overflow" vert="horz" wrap="square" lIns="91440" tIns="45720" rIns="91440" bIns="45720" numCol="1" spcCol="0" rtlCol="0" fromWordArt="0" anchor="ctr" anchorCtr="0" forceAA="0" compatLnSpc="1">
+            <a:prstTxWarp prst="textNoShape">
+              <a:avLst/>
+            </a:prstTxWarp>
+            <a:noAutofit/>
+          </a:bodyPr>
+          <a:lstStyle/>
+          <a:p>
+            <a:pPr marL="0" marR="0" lvl="0" indent="0" algn="ctr" defTabSz="914400" eaLnBrk="1" fontAlgn="auto" latinLnBrk="0" hangingPunct="1">
+              <a:lnSpc>
+                <a:spcPct val="90000"/>
+              </a:lnSpc>
+              <a:spcBef>
+                <a:spcPts val="0"/>
+              </a:spcBef>
+              <a:spcAft>
+                <a:spcPts val="0"/>
+              </a:spcAft>
+              <a:buClrTx/>
+              <a:buSzTx/>
+              <a:buFontTx/>
+              <a:buNone/>
+              <a:tabLst/>
+              <a:defRPr/>
+            </a:pPr>
+            <a:endParaRPr kumimoji="0" lang="en-US" sz="1800" b="0" i="0" u="none" strike="noStrike" kern="0" cap="none" spc="0" normalizeH="0" baseline="0" noProof="0">
+              <a:ln>
+                <a:noFill/>
+              </a:ln>
+              <a:solidFill>
+                <a:srgbClr val="FFFFFF"/>
+              </a:solidFill>
+              <a:effectLst/>
+              <a:uLnTx/>
+              <a:uFillTx/>
+              <a:latin typeface="Calibri"/>
+              <a:ea typeface="+mn-ea"/>
+              <a:cs typeface="+mn-cs"/>
+            </a:endParaRPr>
+          </a:p>
+        </p:txBody>
+      </p:sp>
+      <p:sp>
+        <p:nvSpPr>
+          <p:cNvPr id="121" name="Snip Single Corner Rectangle 11">
+            <a:extLst>
+              <a:ext uri="{FF2B5EF4-FFF2-40B4-BE49-F238E27FC236}">
+                <a16:creationId xmlns:a16="http://schemas.microsoft.com/office/drawing/2014/main" id="{4AB73204-315C-4E71-BBDB-BC80CE976F39}"/>
+              </a:ext>
+            </a:extLst>
+          </p:cNvPr>
+          <p:cNvSpPr/>
+          <p:nvPr/>
+        </p:nvSpPr>
+        <p:spPr>
+          <a:xfrm>
+            <a:off x="6799912" y="3756035"/>
+            <a:ext cx="457200" cy="431800"/>
+          </a:xfrm>
+          <a:prstGeom prst="snip1Rect">
+            <a:avLst/>
+          </a:prstGeom>
+          <a:solidFill>
+            <a:srgbClr val="8DA6B1"/>
+          </a:solidFill>
+          <a:ln w="19050" cap="flat" cmpd="sng" algn="ctr">
+            <a:solidFill>
+              <a:srgbClr val="8DA6B1"/>
+            </a:solidFill>
+            <a:prstDash val="solid"/>
+            <a:miter lim="800000"/>
+          </a:ln>
+          <a:effectLst/>
+        </p:spPr>
+        <p:txBody>
+          <a:bodyPr rot="0" spcFirstLastPara="0" vertOverflow="overflow" horzOverflow="overflow" vert="horz" wrap="square" lIns="91440" tIns="45720" rIns="91440" bIns="45720" numCol="1" spcCol="0" rtlCol="0" fromWordArt="0" anchor="ctr" anchorCtr="0" forceAA="0" compatLnSpc="1">
+            <a:prstTxWarp prst="textNoShape">
+              <a:avLst/>
+            </a:prstTxWarp>
+            <a:noAutofit/>
+          </a:bodyPr>
+          <a:lstStyle/>
+          <a:p>
+            <a:pPr marL="0" marR="0" lvl="0" indent="0" algn="ctr" defTabSz="914400" eaLnBrk="1" fontAlgn="auto" latinLnBrk="0" hangingPunct="1">
+              <a:lnSpc>
+                <a:spcPct val="90000"/>
+              </a:lnSpc>
+              <a:spcBef>
+                <a:spcPts val="0"/>
+              </a:spcBef>
+              <a:spcAft>
+                <a:spcPts val="0"/>
+              </a:spcAft>
+              <a:buClrTx/>
+              <a:buSzTx/>
+              <a:buFontTx/>
+              <a:buNone/>
+              <a:tabLst/>
+              <a:defRPr/>
+            </a:pPr>
+            <a:endParaRPr kumimoji="0" lang="en-US" sz="1800" b="0" i="0" u="none" strike="noStrike" kern="0" cap="none" spc="0" normalizeH="0" baseline="0" noProof="0">
+              <a:ln>
+                <a:noFill/>
+              </a:ln>
+              <a:solidFill>
+                <a:srgbClr val="FFFFFF"/>
+              </a:solidFill>
+              <a:effectLst/>
+              <a:uLnTx/>
+              <a:uFillTx/>
+              <a:latin typeface="Calibri"/>
+              <a:ea typeface="+mn-ea"/>
+              <a:cs typeface="+mn-cs"/>
+            </a:endParaRPr>
+          </a:p>
+        </p:txBody>
+      </p:sp>
+      <p:sp>
+        <p:nvSpPr>
+          <p:cNvPr id="122" name="Snip Single Corner Rectangle 12">
+            <a:extLst>
+              <a:ext uri="{FF2B5EF4-FFF2-40B4-BE49-F238E27FC236}">
+                <a16:creationId xmlns:a16="http://schemas.microsoft.com/office/drawing/2014/main" id="{653DB346-6386-480F-B799-6D69D91B3700}"/>
+              </a:ext>
+            </a:extLst>
+          </p:cNvPr>
+          <p:cNvSpPr/>
+          <p:nvPr/>
+        </p:nvSpPr>
+        <p:spPr>
+          <a:xfrm>
+            <a:off x="6670840" y="3904700"/>
+            <a:ext cx="457200" cy="431800"/>
+          </a:xfrm>
+          <a:prstGeom prst="snip1Rect">
+            <a:avLst/>
+          </a:prstGeom>
+          <a:solidFill>
+            <a:srgbClr val="8DA6B1"/>
+          </a:solidFill>
+          <a:ln w="19050" cap="flat" cmpd="sng" algn="ctr">
+            <a:solidFill>
+              <a:srgbClr val="8DA6B1"/>
+            </a:solidFill>
+            <a:prstDash val="solid"/>
+            <a:miter lim="800000"/>
+          </a:ln>
+          <a:effectLst/>
+        </p:spPr>
+        <p:txBody>
+          <a:bodyPr rot="0" spcFirstLastPara="0" vertOverflow="overflow" horzOverflow="overflow" vert="horz" wrap="square" lIns="91440" tIns="45720" rIns="91440" bIns="45720" numCol="1" spcCol="0" rtlCol="0" fromWordArt="0" anchor="ctr" anchorCtr="0" forceAA="0" compatLnSpc="1">
+            <a:prstTxWarp prst="textNoShape">
+              <a:avLst/>
+            </a:prstTxWarp>
+            <a:noAutofit/>
+          </a:bodyPr>
+          <a:lstStyle/>
+          <a:p>
+            <a:pPr marL="0" marR="0" lvl="0" indent="0" algn="ctr" defTabSz="914400" eaLnBrk="1" fontAlgn="auto" latinLnBrk="0" hangingPunct="1">
+              <a:lnSpc>
+                <a:spcPct val="90000"/>
+              </a:lnSpc>
+              <a:spcBef>
+                <a:spcPts val="0"/>
+              </a:spcBef>
+              <a:spcAft>
+                <a:spcPts val="0"/>
+              </a:spcAft>
+              <a:buClrTx/>
+              <a:buSzTx/>
+              <a:buFontTx/>
+              <a:buNone/>
+              <a:tabLst/>
+              <a:defRPr/>
+            </a:pPr>
+            <a:endParaRPr kumimoji="0" lang="en-US" sz="1800" b="0" i="0" u="none" strike="noStrike" kern="0" cap="none" spc="0" normalizeH="0" baseline="0" noProof="0">
+              <a:ln>
+                <a:noFill/>
+              </a:ln>
+              <a:solidFill>
+                <a:srgbClr val="FFFFFF"/>
+              </a:solidFill>
+              <a:effectLst/>
+              <a:uLnTx/>
+              <a:uFillTx/>
+              <a:latin typeface="Calibri"/>
+              <a:ea typeface="+mn-ea"/>
+              <a:cs typeface="+mn-cs"/>
+            </a:endParaRPr>
+          </a:p>
+        </p:txBody>
+      </p:sp>
+      <p:sp>
+        <p:nvSpPr>
+          <p:cNvPr id="123" name="TextBox 122">
+            <a:extLst>
+              <a:ext uri="{FF2B5EF4-FFF2-40B4-BE49-F238E27FC236}">
+                <a16:creationId xmlns:a16="http://schemas.microsoft.com/office/drawing/2014/main" id="{C48331BB-B4E6-48AF-9E6E-15ED2BF7593F}"/>
+              </a:ext>
+            </a:extLst>
+          </p:cNvPr>
+          <p:cNvSpPr txBox="1"/>
+          <p:nvPr/>
+        </p:nvSpPr>
+        <p:spPr>
+          <a:xfrm>
+            <a:off x="6330763" y="4419600"/>
+            <a:ext cx="1516250" cy="304800"/>
+          </a:xfrm>
+          <a:prstGeom prst="rect">
+            <a:avLst/>
+          </a:prstGeom>
+          <a:noFill/>
+        </p:spPr>
+        <p:txBody>
+          <a:bodyPr wrap="none" lIns="0" tIns="0" rIns="0" bIns="0" rtlCol="0">
+            <a:noAutofit/>
+          </a:bodyPr>
+          <a:lstStyle/>
+          <a:p>
+            <a:pPr marL="0" marR="0" lvl="0" indent="0" algn="ctr" defTabSz="914400" eaLnBrk="1" fontAlgn="auto" latinLnBrk="0" hangingPunct="1">
+              <a:lnSpc>
+                <a:spcPct val="90000"/>
+              </a:lnSpc>
+              <a:spcBef>
+                <a:spcPts val="0"/>
+              </a:spcBef>
+              <a:spcAft>
+                <a:spcPts val="0"/>
+              </a:spcAft>
+              <a:buClrTx/>
+              <a:buSzTx/>
+              <a:buFontTx/>
+              <a:buNone/>
+              <a:tabLst/>
+              <a:defRPr/>
+            </a:pPr>
+            <a:r>
+              <a:rPr kumimoji="0" lang="en-US" sz="1800" b="0" i="0" u="none" strike="noStrike" kern="0" cap="none" spc="0" normalizeH="0" baseline="0" noProof="0" dirty="0">
+                <a:ln>
+                  <a:noFill/>
+                </a:ln>
+                <a:solidFill>
+                  <a:srgbClr val="5F5F5F"/>
+                </a:solidFill>
+                <a:effectLst/>
+                <a:uLnTx/>
+                <a:uFillTx/>
+              </a:rPr>
+              <a:t>Object Storage</a:t>
+            </a:r>
+          </a:p>
+        </p:txBody>
+      </p:sp>
+      <p:sp>
+        <p:nvSpPr>
+          <p:cNvPr id="124" name="Rounded Rectangle 18">
+            <a:extLst>
+              <a:ext uri="{FF2B5EF4-FFF2-40B4-BE49-F238E27FC236}">
+                <a16:creationId xmlns:a16="http://schemas.microsoft.com/office/drawing/2014/main" id="{DFF19F9D-EE77-40E4-BCA4-118FE900311F}"/>
+              </a:ext>
+            </a:extLst>
+          </p:cNvPr>
+          <p:cNvSpPr/>
+          <p:nvPr/>
+        </p:nvSpPr>
+        <p:spPr>
+          <a:xfrm>
+            <a:off x="2422585" y="3981554"/>
+            <a:ext cx="1036483" cy="353540"/>
+          </a:xfrm>
+          <a:prstGeom prst="roundRect">
+            <a:avLst/>
+          </a:prstGeom>
+          <a:solidFill>
+            <a:srgbClr val="8DA6B1"/>
+          </a:solidFill>
+          <a:ln w="19050" cap="flat" cmpd="sng" algn="ctr">
+            <a:solidFill>
+              <a:srgbClr val="8DA6B1"/>
+            </a:solidFill>
+            <a:prstDash val="solid"/>
+            <a:miter lim="800000"/>
+          </a:ln>
+          <a:effectLst/>
+        </p:spPr>
+        <p:txBody>
+          <a:bodyPr rot="0" spcFirstLastPara="0" vertOverflow="overflow" horzOverflow="overflow" vert="horz" wrap="square" lIns="91440" tIns="45720" rIns="91440" bIns="45720" numCol="1" spcCol="0" rtlCol="0" fromWordArt="0" anchor="ctr" anchorCtr="0" forceAA="0" compatLnSpc="1">
+            <a:prstTxWarp prst="textNoShape">
+              <a:avLst/>
+            </a:prstTxWarp>
+            <a:noAutofit/>
+          </a:bodyPr>
+          <a:lstStyle/>
+          <a:p>
+            <a:pPr marL="0" marR="0" lvl="0" indent="0" algn="ctr" defTabSz="914400" eaLnBrk="1" fontAlgn="auto" latinLnBrk="0" hangingPunct="1">
+              <a:lnSpc>
+                <a:spcPct val="90000"/>
+              </a:lnSpc>
+              <a:spcBef>
+                <a:spcPts val="0"/>
+              </a:spcBef>
+              <a:spcAft>
+                <a:spcPts val="0"/>
+              </a:spcAft>
+              <a:buClrTx/>
+              <a:buSzTx/>
+              <a:buFontTx/>
+              <a:buNone/>
+              <a:tabLst/>
+              <a:defRPr/>
+            </a:pPr>
+            <a:r>
+              <a:rPr kumimoji="0" lang="en-US" sz="1400" b="0" i="0" u="none" strike="noStrike" kern="0" cap="none" spc="0" normalizeH="0" baseline="0" noProof="0" dirty="0">
+                <a:ln>
+                  <a:noFill/>
+                </a:ln>
+                <a:solidFill>
+                  <a:srgbClr val="FFFFFF"/>
+                </a:solidFill>
+                <a:effectLst/>
+                <a:uLnTx/>
+                <a:uFillTx/>
+                <a:latin typeface="Calibri"/>
+                <a:ea typeface="+mn-ea"/>
+                <a:cs typeface="+mn-cs"/>
+              </a:rPr>
+              <a:t>BI Cloud Connector</a:t>
+            </a:r>
+          </a:p>
+        </p:txBody>
+      </p:sp>
+      <p:cxnSp>
+        <p:nvCxnSpPr>
+          <p:cNvPr id="125" name="Straight Arrow Connector 124">
+            <a:extLst>
+              <a:ext uri="{FF2B5EF4-FFF2-40B4-BE49-F238E27FC236}">
+                <a16:creationId xmlns:a16="http://schemas.microsoft.com/office/drawing/2014/main" id="{FA681BCD-994C-45A6-85E4-6D380CD6BD4D}"/>
+              </a:ext>
+            </a:extLst>
+          </p:cNvPr>
+          <p:cNvCxnSpPr>
+            <a:cxnSpLocks/>
+          </p:cNvCxnSpPr>
+          <p:nvPr/>
+        </p:nvCxnSpPr>
+        <p:spPr>
+          <a:xfrm>
+            <a:off x="2978925" y="3363825"/>
+            <a:ext cx="0" cy="508791"/>
+          </a:xfrm>
+          <a:prstGeom prst="straightConnector1">
+            <a:avLst/>
+          </a:prstGeom>
+          <a:noFill/>
+          <a:ln w="53975" cap="flat" cmpd="sng" algn="ctr">
+            <a:solidFill>
+              <a:srgbClr val="8DA6B1"/>
+            </a:solidFill>
+            <a:prstDash val="solid"/>
+            <a:miter lim="800000"/>
+            <a:tailEnd type="triangle"/>
+          </a:ln>
+          <a:effectLst/>
+        </p:spPr>
+      </p:cxnSp>
+      <p:cxnSp>
+        <p:nvCxnSpPr>
+          <p:cNvPr id="126" name="Straight Arrow Connector 125">
+            <a:extLst>
+              <a:ext uri="{FF2B5EF4-FFF2-40B4-BE49-F238E27FC236}">
+                <a16:creationId xmlns:a16="http://schemas.microsoft.com/office/drawing/2014/main" id="{2778FFA3-F55C-49C5-A19A-9AD461B70340}"/>
+              </a:ext>
+            </a:extLst>
+          </p:cNvPr>
+          <p:cNvCxnSpPr>
+            <a:cxnSpLocks/>
+          </p:cNvCxnSpPr>
+          <p:nvPr/>
+        </p:nvCxnSpPr>
+        <p:spPr>
+          <a:xfrm>
+            <a:off x="3573451" y="4158797"/>
+            <a:ext cx="2964688" cy="0"/>
+          </a:xfrm>
+          <a:prstGeom prst="straightConnector1">
+            <a:avLst/>
+          </a:prstGeom>
+          <a:ln w="38100">
+            <a:solidFill>
+              <a:schemeClr val="tx1"/>
+            </a:solidFill>
+            <a:tailEnd type="triangle"/>
+          </a:ln>
+        </p:spPr>
+        <p:style>
+          <a:lnRef idx="1">
+            <a:schemeClr val="accent2"/>
+          </a:lnRef>
+          <a:fillRef idx="0">
+            <a:schemeClr val="accent2"/>
+          </a:fillRef>
+          <a:effectRef idx="0">
+            <a:schemeClr val="accent2"/>
+          </a:effectRef>
+          <a:fontRef idx="minor">
+            <a:schemeClr val="tx1"/>
+          </a:fontRef>
+        </p:style>
+      </p:cxnSp>
+      <p:pic>
+        <p:nvPicPr>
+          <p:cNvPr id="129" name="Picture 63" descr="D:\PM\V2\Documentation\Templates\all_icons\ic-PersonWithLaptop-red.png">
+            <a:extLst>
+              <a:ext uri="{FF2B5EF4-FFF2-40B4-BE49-F238E27FC236}">
+                <a16:creationId xmlns:a16="http://schemas.microsoft.com/office/drawing/2014/main" id="{D307AE03-1F2B-44B1-B333-5B24D0109A00}"/>
+              </a:ext>
+            </a:extLst>
+          </p:cNvPr>
+          <p:cNvPicPr>
+            <a:picLocks noChangeAspect="1" noChangeArrowheads="1"/>
+          </p:cNvPicPr>
+          <p:nvPr/>
+        </p:nvPicPr>
+        <p:blipFill>
+          <a:blip r:embed="rId3" cstate="print"/>
+          <a:srcRect/>
+          <a:stretch>
+            <a:fillRect/>
+          </a:stretch>
+        </p:blipFill>
+        <p:spPr bwMode="auto">
+          <a:xfrm>
+            <a:off x="2786179" y="1835150"/>
+            <a:ext cx="531812" cy="559007"/>
+          </a:xfrm>
+          <a:prstGeom prst="rect">
+            <a:avLst/>
+          </a:prstGeom>
+          <a:noFill/>
+          <a:ln w="9525">
+            <a:noFill/>
+            <a:miter lim="800000"/>
+            <a:headEnd/>
+            <a:tailEnd/>
+          </a:ln>
+        </p:spPr>
+      </p:pic>
+      <p:sp>
+        <p:nvSpPr>
+          <p:cNvPr id="130" name="TextBox 129">
+            <a:extLst>
+              <a:ext uri="{FF2B5EF4-FFF2-40B4-BE49-F238E27FC236}">
+                <a16:creationId xmlns:a16="http://schemas.microsoft.com/office/drawing/2014/main" id="{124E67F5-9EC1-4464-8B51-B1C86DD5C6D4}"/>
+              </a:ext>
+            </a:extLst>
+          </p:cNvPr>
+          <p:cNvSpPr txBox="1"/>
+          <p:nvPr/>
+        </p:nvSpPr>
+        <p:spPr>
+          <a:xfrm>
+            <a:off x="6704012" y="3657600"/>
+            <a:ext cx="884047" cy="466067"/>
+          </a:xfrm>
+          <a:prstGeom prst="rect">
+            <a:avLst/>
+          </a:prstGeom>
+          <a:noFill/>
+        </p:spPr>
+        <p:txBody>
+          <a:bodyPr wrap="none" lIns="0" tIns="0" rIns="0" bIns="0" rtlCol="0">
+            <a:noAutofit/>
+          </a:bodyPr>
+          <a:lstStyle/>
+          <a:p>
+            <a:pPr marL="0" marR="0" lvl="0" indent="0" defTabSz="914400" eaLnBrk="1" fontAlgn="auto" latinLnBrk="0" hangingPunct="1">
+              <a:lnSpc>
+                <a:spcPct val="90000"/>
+              </a:lnSpc>
+              <a:spcBef>
+                <a:spcPts val="0"/>
+              </a:spcBef>
+              <a:spcAft>
+                <a:spcPts val="0"/>
+              </a:spcAft>
+              <a:buClrTx/>
+              <a:buSzTx/>
+              <a:buFontTx/>
+              <a:buNone/>
+              <a:tabLst/>
+              <a:defRPr/>
+            </a:pPr>
+            <a:endParaRPr kumimoji="0" lang="en-US" sz="1400" b="1" i="0" u="none" strike="noStrike" kern="0" cap="none" spc="0" normalizeH="0" baseline="0" noProof="0" dirty="0">
+              <a:ln>
+                <a:noFill/>
+              </a:ln>
+              <a:solidFill>
+                <a:srgbClr val="FFFFFF"/>
+              </a:solidFill>
+              <a:effectLst/>
+              <a:uLnTx/>
+              <a:uFillTx/>
+            </a:endParaRPr>
+          </a:p>
+          <a:p>
+            <a:pPr marL="0" marR="0" lvl="0" indent="0" defTabSz="914400" eaLnBrk="1" fontAlgn="auto" latinLnBrk="0" hangingPunct="1">
+              <a:lnSpc>
+                <a:spcPct val="90000"/>
+              </a:lnSpc>
+              <a:spcBef>
+                <a:spcPts val="0"/>
+              </a:spcBef>
+              <a:spcAft>
+                <a:spcPts val="0"/>
+              </a:spcAft>
+              <a:buClrTx/>
+              <a:buSzTx/>
+              <a:buFontTx/>
+              <a:buNone/>
+              <a:tabLst/>
+              <a:defRPr/>
+            </a:pPr>
+            <a:r>
+              <a:rPr kumimoji="0" lang="en-US" sz="1400" b="1" i="0" u="none" strike="noStrike" kern="0" cap="none" spc="0" normalizeH="0" baseline="0" noProof="0" dirty="0" err="1">
+                <a:ln>
+                  <a:noFill/>
+                </a:ln>
+                <a:solidFill>
+                  <a:srgbClr val="FFFFFF"/>
+                </a:solidFill>
+                <a:effectLst/>
+                <a:uLnTx/>
+                <a:uFillTx/>
+              </a:rPr>
+              <a:t>Gzip</a:t>
+            </a:r>
+            <a:r>
+              <a:rPr kumimoji="0" lang="en-US" sz="1400" b="1" i="0" u="none" strike="noStrike" kern="0" cap="none" spc="0" normalizeH="0" baseline="0" noProof="0" dirty="0">
+                <a:ln>
+                  <a:noFill/>
+                </a:ln>
+                <a:solidFill>
+                  <a:srgbClr val="FFFFFF"/>
+                </a:solidFill>
+                <a:effectLst/>
+                <a:uLnTx/>
+                <a:uFillTx/>
+              </a:rPr>
+              <a:t>/CSV</a:t>
+            </a:r>
+          </a:p>
+        </p:txBody>
+      </p:sp>
+      <p:pic>
+        <p:nvPicPr>
+          <p:cNvPr id="34" name="Picture 33"/>
+          <p:cNvPicPr>
+            <a:picLocks noChangeAspect="1"/>
+          </p:cNvPicPr>
+          <p:nvPr/>
+        </p:nvPicPr>
+        <p:blipFill>
+          <a:blip r:embed="rId4" cstate="print"/>
+          <a:stretch>
+            <a:fillRect/>
+          </a:stretch>
+        </p:blipFill>
+        <p:spPr>
+          <a:xfrm>
+            <a:off x="2042926" y="4476826"/>
+            <a:ext cx="1871998" cy="1399869"/>
+          </a:xfrm>
+          <a:prstGeom prst="rect">
+            <a:avLst/>
+          </a:prstGeom>
+        </p:spPr>
+      </p:pic>
+      <p:sp>
+        <p:nvSpPr>
+          <p:cNvPr id="33" name="Flowchart: Alternate Process 32"/>
+          <p:cNvSpPr/>
+          <p:nvPr/>
+        </p:nvSpPr>
+        <p:spPr>
+          <a:xfrm>
+            <a:off x="1903412" y="5410200"/>
+            <a:ext cx="2085588" cy="800245"/>
+          </a:xfrm>
+          <a:prstGeom prst="flowChartAlternateProcess">
+            <a:avLst/>
+          </a:prstGeom>
+          <a:solidFill>
+            <a:srgbClr val="005670"/>
+          </a:solidFill>
+          <a:ln>
+            <a:solidFill>
+              <a:srgbClr val="002060"/>
+            </a:solidFill>
+          </a:ln>
+        </p:spPr>
+        <p:style>
+          <a:lnRef idx="2">
+            <a:schemeClr val="accent1">
+              <a:shade val="50000"/>
+            </a:schemeClr>
+          </a:lnRef>
+          <a:fillRef idx="1">
+            <a:schemeClr val="accent1"/>
+          </a:fillRef>
+          <a:effectRef idx="0">
+            <a:schemeClr val="accent1"/>
+          </a:effectRef>
+          <a:fontRef idx="minor">
+            <a:schemeClr val="lt1"/>
+          </a:fontRef>
+        </p:style>
+        <p:txBody>
+          <a:bodyPr lIns="0" tIns="0" rIns="0" bIns="0" rtlCol="0" anchor="t" anchorCtr="0"/>
+          <a:lstStyle/>
+          <a:p>
+            <a:r>
+              <a:rPr lang="en-US" sz="1100" dirty="0">
+                <a:solidFill>
+                  <a:schemeClr val="bg1"/>
+                </a:solidFill>
+                <a:latin typeface="Arial" pitchFamily="34" charset="0"/>
+                <a:cs typeface="Arial" pitchFamily="34" charset="0"/>
+              </a:rPr>
+              <a:t>BI Cloud Connector Console</a:t>
+            </a:r>
+          </a:p>
+          <a:p>
+            <a:pPr marL="342900" indent="-342900">
+              <a:buAutoNum type="arabicPeriod"/>
+            </a:pPr>
+            <a:r>
+              <a:rPr lang="en-US" sz="1050" dirty="0">
+                <a:solidFill>
+                  <a:schemeClr val="bg1"/>
+                </a:solidFill>
+                <a:latin typeface="Arial" pitchFamily="34" charset="0"/>
+                <a:cs typeface="Arial" pitchFamily="34" charset="0"/>
+              </a:rPr>
+              <a:t>Configure Cloud Extract</a:t>
+            </a:r>
+          </a:p>
+          <a:p>
+            <a:pPr marL="342900" indent="-342900">
+              <a:buAutoNum type="arabicPeriod"/>
+            </a:pPr>
+            <a:r>
+              <a:rPr lang="en-US" sz="1050" dirty="0">
+                <a:solidFill>
+                  <a:schemeClr val="bg1"/>
+                </a:solidFill>
+                <a:latin typeface="Arial" pitchFamily="34" charset="0"/>
+                <a:cs typeface="Arial" pitchFamily="34" charset="0"/>
+              </a:rPr>
+              <a:t>Configure Target Storage </a:t>
+            </a:r>
+          </a:p>
+          <a:p>
+            <a:pPr marL="342900" indent="-342900">
+              <a:buAutoNum type="arabicPeriod"/>
+            </a:pPr>
+            <a:r>
+              <a:rPr lang="en-US" sz="1050" dirty="0">
+                <a:solidFill>
+                  <a:schemeClr val="bg1"/>
+                </a:solidFill>
+                <a:latin typeface="Arial" pitchFamily="34" charset="0"/>
+                <a:cs typeface="Arial" pitchFamily="34" charset="0"/>
+              </a:rPr>
+              <a:t>Manage Extract Schedule</a:t>
+            </a:r>
+          </a:p>
+          <a:p>
+            <a:pPr algn="ctr"/>
+            <a:endParaRPr lang="en-US" sz="1466" dirty="0">
+              <a:solidFill>
+                <a:schemeClr val="bg1"/>
+              </a:solidFill>
+              <a:latin typeface="Arial" pitchFamily="34" charset="0"/>
+              <a:cs typeface="Arial" pitchFamily="34" charset="0"/>
+            </a:endParaRPr>
+          </a:p>
+        </p:txBody>
+      </p:sp>
+      <p:sp>
+        <p:nvSpPr>
+          <p:cNvPr id="2" name="Rounded Rectangle 1"/>
+          <p:cNvSpPr/>
+          <p:nvPr/>
+        </p:nvSpPr>
+        <p:spPr>
+          <a:xfrm>
+            <a:off x="2288308" y="3116189"/>
+            <a:ext cx="1429677" cy="146827"/>
+          </a:xfrm>
+          <a:prstGeom prst="roundRect">
+            <a:avLst/>
+          </a:prstGeom>
+        </p:spPr>
+        <p:style>
+          <a:lnRef idx="2">
+            <a:schemeClr val="accent1">
+              <a:shade val="50000"/>
+            </a:schemeClr>
+          </a:lnRef>
+          <a:fillRef idx="1">
+            <a:schemeClr val="accent1"/>
+          </a:fillRef>
+          <a:effectRef idx="0">
+            <a:schemeClr val="accent1"/>
+          </a:effectRef>
+          <a:fontRef idx="minor">
+            <a:schemeClr val="lt1"/>
+          </a:fontRef>
+        </p:style>
+        <p:txBody>
+          <a:bodyPr rtlCol="0" anchor="ctr"/>
+          <a:lstStyle/>
+          <a:p>
+            <a:pPr algn="ctr"/>
+            <a:r>
+              <a:rPr lang="en-US" sz="1400" dirty="0"/>
+              <a:t>BI View Objects</a:t>
+            </a:r>
+          </a:p>
+        </p:txBody>
+      </p:sp>
+      <p:sp>
+        <p:nvSpPr>
+          <p:cNvPr id="35" name="TextBox 14">
+            <a:extLst>
+              <a:ext uri="{FF2B5EF4-FFF2-40B4-BE49-F238E27FC236}">
+                <a16:creationId xmlns:a16="http://schemas.microsoft.com/office/drawing/2014/main" id="{016C6FFE-98F4-4144-BD96-FFBD6B1D235C}"/>
+              </a:ext>
+            </a:extLst>
+          </p:cNvPr>
+          <p:cNvSpPr txBox="1">
+            <a:spLocks noChangeArrowheads="1"/>
+          </p:cNvSpPr>
+          <p:nvPr/>
+        </p:nvSpPr>
+        <p:spPr bwMode="auto">
+          <a:xfrm>
+            <a:off x="7106725" y="1458823"/>
+            <a:ext cx="1901595" cy="311150"/>
+          </a:xfrm>
+          <a:prstGeom prst="rect">
+            <a:avLst/>
+          </a:prstGeom>
+          <a:noFill/>
+          <a:ln w="9525">
+            <a:noFill/>
+            <a:miter lim="800000"/>
+            <a:headEnd/>
+            <a:tailEnd/>
+          </a:ln>
+        </p:spPr>
+        <p:txBody>
+          <a:bodyPr lIns="0" tIns="0" rIns="0" bIns="0"/>
+          <a:lstStyle/>
+          <a:p>
+            <a:pPr marL="0" marR="0" lvl="0" indent="0" algn="ctr" defTabSz="914400" eaLnBrk="1" fontAlgn="auto" latinLnBrk="0" hangingPunct="1">
+              <a:lnSpc>
+                <a:spcPct val="90000"/>
+              </a:lnSpc>
+              <a:spcBef>
+                <a:spcPts val="0"/>
+              </a:spcBef>
+              <a:spcAft>
+                <a:spcPts val="0"/>
+              </a:spcAft>
+              <a:buClrTx/>
+              <a:buSzTx/>
+              <a:buFontTx/>
+              <a:buNone/>
+              <a:tabLst/>
+              <a:defRPr/>
+            </a:pPr>
+            <a:r>
+              <a:rPr kumimoji="0" lang="en-US" sz="2400" b="1" i="0" u="none" strike="noStrike" kern="0" cap="none" spc="0" normalizeH="0" baseline="0" noProof="0" dirty="0">
+                <a:ln>
+                  <a:noFill/>
+                </a:ln>
+                <a:solidFill>
+                  <a:srgbClr val="FF0000"/>
+                </a:solidFill>
+                <a:effectLst/>
+                <a:uLnTx/>
+                <a:uFillTx/>
+              </a:rPr>
+              <a:t>OCI</a:t>
+            </a:r>
+            <a:endParaRPr kumimoji="0" lang="en-US" sz="1800" b="1" i="0" u="none" strike="noStrike" kern="0" cap="none" spc="0" normalizeH="0" baseline="0" noProof="0" dirty="0">
+              <a:ln>
+                <a:noFill/>
+              </a:ln>
+              <a:solidFill>
+                <a:srgbClr val="FF0000"/>
+              </a:solidFill>
+              <a:effectLst/>
+              <a:uLnTx/>
+              <a:uFillTx/>
+            </a:endParaRPr>
+          </a:p>
+        </p:txBody>
+      </p:sp>
+      <p:sp>
+        <p:nvSpPr>
+          <p:cNvPr id="37" name="Can 9">
+            <a:extLst>
+              <a:ext uri="{FF2B5EF4-FFF2-40B4-BE49-F238E27FC236}">
+                <a16:creationId xmlns:a16="http://schemas.microsoft.com/office/drawing/2014/main" id="{ACD3B2D0-A9A7-7D40-AD1E-35881155527D}"/>
+              </a:ext>
+            </a:extLst>
+          </p:cNvPr>
+          <p:cNvSpPr/>
+          <p:nvPr/>
+        </p:nvSpPr>
+        <p:spPr>
+          <a:xfrm>
+            <a:off x="8816147" y="3835400"/>
+            <a:ext cx="1088266" cy="660400"/>
+          </a:xfrm>
+          <a:prstGeom prst="can">
+            <a:avLst/>
+          </a:prstGeom>
+          <a:solidFill>
+            <a:srgbClr val="8DA6B1"/>
+          </a:solidFill>
+          <a:ln w="19050" cap="flat" cmpd="sng" algn="ctr">
+            <a:solidFill>
+              <a:srgbClr val="8DA6B1"/>
+            </a:solidFill>
+            <a:prstDash val="solid"/>
+            <a:miter lim="800000"/>
+          </a:ln>
+          <a:effectLst/>
+        </p:spPr>
+        <p:txBody>
+          <a:bodyPr rot="0" spcFirstLastPara="0" vertOverflow="overflow" horzOverflow="overflow" vert="horz" wrap="square" lIns="91440" tIns="45720" rIns="91440" bIns="45720" numCol="1" spcCol="0" rtlCol="0" fromWordArt="0" anchor="ctr" anchorCtr="0" forceAA="0" compatLnSpc="1">
+            <a:prstTxWarp prst="textNoShape">
+              <a:avLst/>
+            </a:prstTxWarp>
+            <a:noAutofit/>
+          </a:bodyPr>
+          <a:lstStyle/>
+          <a:p>
+            <a:pPr marL="0" marR="0" lvl="0" indent="0" algn="ctr" defTabSz="914400" eaLnBrk="1" fontAlgn="auto" latinLnBrk="0" hangingPunct="1">
+              <a:lnSpc>
+                <a:spcPct val="90000"/>
+              </a:lnSpc>
+              <a:spcBef>
+                <a:spcPts val="0"/>
+              </a:spcBef>
+              <a:spcAft>
+                <a:spcPts val="0"/>
+              </a:spcAft>
+              <a:buClrTx/>
+              <a:buSzTx/>
+              <a:buFontTx/>
+              <a:buNone/>
+              <a:tabLst/>
+              <a:defRPr/>
+            </a:pPr>
+            <a:r>
+              <a:rPr kumimoji="0" lang="en-US" sz="1600" b="0" i="0" u="none" strike="noStrike" kern="0" cap="none" spc="0" normalizeH="0" baseline="0" noProof="0" dirty="0">
+                <a:ln>
+                  <a:noFill/>
+                </a:ln>
+                <a:solidFill>
+                  <a:srgbClr val="FFFFFF"/>
+                </a:solidFill>
+                <a:effectLst/>
+                <a:uLnTx/>
+                <a:uFillTx/>
+                <a:latin typeface="Calibri"/>
+                <a:ea typeface="+mn-ea"/>
+                <a:cs typeface="+mn-cs"/>
+              </a:rPr>
+              <a:t>ADW</a:t>
+            </a:r>
+          </a:p>
+        </p:txBody>
+      </p:sp>
+      <p:cxnSp>
+        <p:nvCxnSpPr>
+          <p:cNvPr id="38" name="Straight Arrow Connector 37">
+            <a:extLst>
+              <a:ext uri="{FF2B5EF4-FFF2-40B4-BE49-F238E27FC236}">
+                <a16:creationId xmlns:a16="http://schemas.microsoft.com/office/drawing/2014/main" id="{6D74D0E8-2594-B04D-B561-0786CB9B9D7C}"/>
+              </a:ext>
+            </a:extLst>
+          </p:cNvPr>
+          <p:cNvCxnSpPr>
+            <a:cxnSpLocks/>
+          </p:cNvCxnSpPr>
+          <p:nvPr/>
+        </p:nvCxnSpPr>
+        <p:spPr>
+          <a:xfrm>
+            <a:off x="7379661" y="4191000"/>
+            <a:ext cx="1381752" cy="0"/>
+          </a:xfrm>
+          <a:prstGeom prst="straightConnector1">
+            <a:avLst/>
+          </a:prstGeom>
+          <a:noFill/>
+          <a:ln w="38100" cap="flat" cmpd="sng" algn="ctr">
+            <a:solidFill>
+              <a:schemeClr val="tx1"/>
+            </a:solidFill>
+            <a:prstDash val="solid"/>
+            <a:miter lim="800000"/>
+            <a:tailEnd type="triangle"/>
+          </a:ln>
+          <a:effectLst/>
+        </p:spPr>
+      </p:cxnSp>
+      <p:sp>
+        <p:nvSpPr>
+          <p:cNvPr id="40" name="Rounded Rectangle 51">
+            <a:extLst>
+              <a:ext uri="{FF2B5EF4-FFF2-40B4-BE49-F238E27FC236}">
+                <a16:creationId xmlns:a16="http://schemas.microsoft.com/office/drawing/2014/main" id="{89A63543-6655-AF4E-8DB5-B35060E64A42}"/>
+              </a:ext>
+            </a:extLst>
+          </p:cNvPr>
+          <p:cNvSpPr/>
+          <p:nvPr/>
+        </p:nvSpPr>
+        <p:spPr>
+          <a:xfrm>
+            <a:off x="6704012" y="2055272"/>
+            <a:ext cx="3566956" cy="1526128"/>
+          </a:xfrm>
+          <a:prstGeom prst="roundRect">
+            <a:avLst/>
+          </a:prstGeom>
+          <a:solidFill>
+            <a:srgbClr val="8DA6B1"/>
+          </a:solidFill>
+          <a:ln w="19050" cap="flat" cmpd="sng" algn="ctr">
+            <a:solidFill>
+              <a:srgbClr val="8DA6B1"/>
+            </a:solidFill>
+            <a:prstDash val="solid"/>
+            <a:miter lim="800000"/>
+          </a:ln>
+          <a:effectLst/>
+        </p:spPr>
+        <p:txBody>
+          <a:bodyPr rot="0" spcFirstLastPara="0" vertOverflow="overflow" horzOverflow="overflow" vert="horz" wrap="square" lIns="91440" tIns="45720" rIns="91440" bIns="45720" numCol="1" spcCol="0" rtlCol="0" fromWordArt="0" anchor="ctr" anchorCtr="0" forceAA="0" compatLnSpc="1">
+            <a:prstTxWarp prst="textNoShape">
+              <a:avLst/>
+            </a:prstTxWarp>
+            <a:noAutofit/>
+          </a:bodyPr>
+          <a:lstStyle/>
+          <a:p>
+            <a:pPr marL="0" marR="0" lvl="0" indent="0" defTabSz="914400" eaLnBrk="1" fontAlgn="auto" latinLnBrk="0" hangingPunct="1">
+              <a:lnSpc>
+                <a:spcPct val="90000"/>
+              </a:lnSpc>
+              <a:spcBef>
+                <a:spcPts val="0"/>
+              </a:spcBef>
+              <a:spcAft>
+                <a:spcPts val="0"/>
+              </a:spcAft>
+              <a:buClrTx/>
+              <a:buSzTx/>
+              <a:buFontTx/>
+              <a:buNone/>
+              <a:tabLst/>
+              <a:defRPr/>
+            </a:pPr>
+            <a:r>
+              <a:rPr kumimoji="0" lang="en-US" sz="1800" b="0" i="0" u="none" strike="noStrike" kern="0" cap="none" spc="0" normalizeH="0" baseline="0" noProof="0" dirty="0">
+                <a:ln>
+                  <a:noFill/>
+                </a:ln>
+                <a:solidFill>
+                  <a:srgbClr val="FFFFFF"/>
+                </a:solidFill>
+                <a:effectLst/>
+                <a:uLnTx/>
+                <a:uFillTx/>
+                <a:latin typeface="Calibri"/>
+                <a:ea typeface="+mn-ea"/>
+                <a:cs typeface="+mn-cs"/>
+              </a:rPr>
+              <a:t>OAC</a:t>
+            </a:r>
+          </a:p>
+          <a:p>
+            <a:pPr marL="285750" marR="0" lvl="0" indent="-285750" defTabSz="914400" eaLnBrk="1" fontAlgn="auto" latinLnBrk="0" hangingPunct="1">
+              <a:lnSpc>
+                <a:spcPct val="90000"/>
+              </a:lnSpc>
+              <a:spcBef>
+                <a:spcPts val="0"/>
+              </a:spcBef>
+              <a:spcAft>
+                <a:spcPts val="0"/>
+              </a:spcAft>
+              <a:buClrTx/>
+              <a:buSzTx/>
+              <a:buFont typeface="Arial" panose="020B0604020202020204" pitchFamily="34" charset="0"/>
+              <a:buChar char="•"/>
+              <a:tabLst/>
+              <a:defRPr/>
+            </a:pPr>
+            <a:r>
+              <a:rPr lang="en-US" kern="0" dirty="0">
+                <a:solidFill>
+                  <a:srgbClr val="FFFFFF"/>
+                </a:solidFill>
+                <a:latin typeface="Calibri"/>
+              </a:rPr>
+              <a:t>Create replication connections</a:t>
+            </a:r>
+          </a:p>
+          <a:p>
+            <a:pPr marL="285750" marR="0" lvl="0" indent="-285750" defTabSz="914400" eaLnBrk="1" fontAlgn="auto" latinLnBrk="0" hangingPunct="1">
+              <a:lnSpc>
+                <a:spcPct val="90000"/>
+              </a:lnSpc>
+              <a:spcBef>
+                <a:spcPts val="0"/>
+              </a:spcBef>
+              <a:spcAft>
+                <a:spcPts val="0"/>
+              </a:spcAft>
+              <a:buClrTx/>
+              <a:buSzTx/>
+              <a:buFont typeface="Arial" panose="020B0604020202020204" pitchFamily="34" charset="0"/>
+              <a:buChar char="•"/>
+              <a:tabLst/>
+              <a:defRPr/>
+            </a:pPr>
+            <a:r>
+              <a:rPr lang="en-US" kern="0" dirty="0">
+                <a:solidFill>
+                  <a:srgbClr val="FFFFFF"/>
+                </a:solidFill>
+                <a:latin typeface="Calibri"/>
+              </a:rPr>
+              <a:t>Create replication</a:t>
+            </a:r>
+          </a:p>
+          <a:p>
+            <a:pPr marL="285750" marR="0" lvl="0" indent="-285750" defTabSz="914400" eaLnBrk="1" fontAlgn="auto" latinLnBrk="0" hangingPunct="1">
+              <a:lnSpc>
+                <a:spcPct val="90000"/>
+              </a:lnSpc>
+              <a:spcBef>
+                <a:spcPts val="0"/>
+              </a:spcBef>
+              <a:spcAft>
+                <a:spcPts val="0"/>
+              </a:spcAft>
+              <a:buClrTx/>
+              <a:buSzTx/>
+              <a:buFont typeface="Arial" panose="020B0604020202020204" pitchFamily="34" charset="0"/>
+              <a:buChar char="•"/>
+              <a:tabLst/>
+              <a:defRPr/>
+            </a:pPr>
+            <a:r>
+              <a:rPr lang="en-US" kern="0" dirty="0">
+                <a:solidFill>
+                  <a:srgbClr val="FFFFFF"/>
+                </a:solidFill>
+                <a:latin typeface="Calibri"/>
+              </a:rPr>
+              <a:t>Run replication (creates and runs BICC extract and loads data from Object Storage)</a:t>
+            </a:r>
+          </a:p>
+        </p:txBody>
+      </p:sp>
+    </p:spTree>
+    <p:extLst>
+      <p:ext uri="{BB962C8B-B14F-4D97-AF65-F5344CB8AC3E}">
+        <p14:creationId xmlns:p14="http://schemas.microsoft.com/office/powerpoint/2010/main" val="1160898299"/>
       </p:ext>
     </p:extLst>
   </p:cSld>
